--- a/thesis/presentations/first/Probleemstellingv2.pptx
+++ b/thesis/presentations/first/Probleemstellingv2.pptx
@@ -122,7 +122,7 @@
   </p:defaultTextStyle>
   <p:extLst>
     <p:ext uri="{EFAFB233-063F-42B5-8137-9DF3F51BA10A}">
-      <p15:sldGuideLst xmlns:p15="http://schemas.microsoft.com/office/powerpoint/2012/main" xmlns="">
+      <p15:sldGuideLst xmlns="" xmlns:p15="http://schemas.microsoft.com/office/powerpoint/2012/main">
         <p15:guide id="1" orient="horz" pos="2160" userDrawn="1">
           <p15:clr>
             <a:srgbClr val="A4A3A4"/>
@@ -3606,7 +3606,7 @@
   </p:clrMapOvr>
   <p:extLst mod="1">
     <p:ext uri="{DCECCB84-F9BA-43D5-87BE-67443E8EF086}">
-      <p15:sldGuideLst xmlns:p15="http://schemas.microsoft.com/office/powerpoint/2012/main" xmlns="">
+      <p15:sldGuideLst xmlns="" xmlns:p15="http://schemas.microsoft.com/office/powerpoint/2012/main">
         <p15:guide id="1" orient="horz" pos="3929" userDrawn="1">
           <p15:clr>
             <a:srgbClr val="FBAE40"/>
@@ -3917,7 +3917,7 @@
   </p:clrMapOvr>
   <p:extLst mod="1">
     <p:ext uri="{DCECCB84-F9BA-43D5-87BE-67443E8EF086}">
-      <p15:sldGuideLst xmlns:p15="http://schemas.microsoft.com/office/powerpoint/2012/main" xmlns="">
+      <p15:sldGuideLst xmlns="" xmlns:p15="http://schemas.microsoft.com/office/powerpoint/2012/main">
         <p15:guide id="1" orient="horz" pos="3929">
           <p15:clr>
             <a:srgbClr val="FBAE40"/>
@@ -4203,7 +4203,7 @@
           <a:bodyPr/>
           <a:lstStyle/>
           <a:p>
-            <a:fld id="{2F587EFC-84F1-4A54-B76E-DF92001E4CC2}" type="datetime1">
+            <a:fld id="{BA252000-72D1-4588-81D0-A21B268C4F60}" type="datetime1">
               <a:rPr lang="nl-BE" smtClean="0"/>
               <a:t>25/10/2017</a:t>
             </a:fld>
@@ -4228,7 +4228,7 @@
           <a:p>
             <a:r>
               <a:rPr lang="nl-NL" smtClean="0"/>
-              <a:t>Faculteit Wetenschappen, departement Computerwetenschappen</a:t>
+              <a:t>Departement Computerwetenschappen · Faculteit Wetenschappen · KU Leuven</a:t>
             </a:r>
             <a:endParaRPr lang="nl-NL" dirty="0"/>
           </a:p>
@@ -4270,7 +4270,7 @@
   </p:clrMapOvr>
   <p:extLst mod="1">
     <p:ext uri="{DCECCB84-F9BA-43D5-87BE-67443E8EF086}">
-      <p15:sldGuideLst xmlns:p15="http://schemas.microsoft.com/office/powerpoint/2012/main" xmlns="">
+      <p15:sldGuideLst xmlns="" xmlns:p15="http://schemas.microsoft.com/office/powerpoint/2012/main">
         <p15:guide id="1" orient="horz" pos="2160">
           <p15:clr>
             <a:srgbClr val="FBAE40"/>
@@ -4510,7 +4510,7 @@
           <a:bodyPr/>
           <a:lstStyle/>
           <a:p>
-            <a:fld id="{CCD6CB0C-E764-49CB-A1D5-2EC061830557}" type="datetime1">
+            <a:fld id="{51B5EE41-54AE-48CB-8D18-4748453B9BC8}" type="datetime1">
               <a:rPr lang="nl-BE" smtClean="0"/>
               <a:t>25/10/2017</a:t>
             </a:fld>
@@ -4535,7 +4535,7 @@
           <a:p>
             <a:r>
               <a:rPr lang="nl-NL" smtClean="0"/>
-              <a:t>Faculteit Wetenschappen, departement Computerwetenschappen</a:t>
+              <a:t>Departement Computerwetenschappen · Faculteit Wetenschappen · KU Leuven</a:t>
             </a:r>
             <a:endParaRPr lang="nl-NL" dirty="0"/>
           </a:p>
@@ -4577,7 +4577,7 @@
   </p:clrMapOvr>
   <p:extLst mod="1">
     <p:ext uri="{DCECCB84-F9BA-43D5-87BE-67443E8EF086}">
-      <p15:sldGuideLst xmlns:p15="http://schemas.microsoft.com/office/powerpoint/2012/main" xmlns="">
+      <p15:sldGuideLst xmlns="" xmlns:p15="http://schemas.microsoft.com/office/powerpoint/2012/main">
         <p15:guide id="1" orient="horz" pos="2160">
           <p15:clr>
             <a:srgbClr val="FBAE40"/>
@@ -4626,7 +4626,7 @@
           <a:bodyPr/>
           <a:lstStyle/>
           <a:p>
-            <a:fld id="{F986A8C2-2B30-4642-9EB6-5E662355FA46}" type="datetime1">
+            <a:fld id="{325CFB26-3E0B-43F3-B1DB-8FF4C39B3D0D}" type="datetime1">
               <a:rPr lang="nl-BE" smtClean="0"/>
               <a:t>25/10/2017</a:t>
             </a:fld>
@@ -4651,7 +4651,7 @@
           <a:p>
             <a:r>
               <a:rPr lang="nl-NL" smtClean="0"/>
-              <a:t>Faculteit Wetenschappen, departement Computerwetenschappen</a:t>
+              <a:t>Departement Computerwetenschappen · Faculteit Wetenschappen · KU Leuven</a:t>
             </a:r>
             <a:endParaRPr lang="nl-NL" dirty="0"/>
           </a:p>
@@ -5016,7 +5016,7 @@
           <a:bodyPr/>
           <a:lstStyle/>
           <a:p>
-            <a:fld id="{15AE387D-2586-49C2-927A-1645AF168F2F}" type="datetime1">
+            <a:fld id="{DC4FC34B-922A-43D1-878B-5EF44FE511A8}" type="datetime1">
               <a:rPr lang="nl-BE" smtClean="0"/>
               <a:t>25/10/2017</a:t>
             </a:fld>
@@ -5041,7 +5041,7 @@
           <a:p>
             <a:r>
               <a:rPr lang="nl-NL" smtClean="0"/>
-              <a:t>Faculteit Wetenschappen, departement Computerwetenschappen</a:t>
+              <a:t>Departement Computerwetenschappen · Faculteit Wetenschappen · KU Leuven</a:t>
             </a:r>
             <a:endParaRPr lang="nl-NL" dirty="0"/>
           </a:p>
@@ -5137,7 +5137,7 @@
   </p:clrMapOvr>
   <p:extLst mod="1">
     <p:ext uri="{DCECCB84-F9BA-43D5-87BE-67443E8EF086}">
-      <p15:sldGuideLst xmlns:p15="http://schemas.microsoft.com/office/powerpoint/2012/main" xmlns="">
+      <p15:sldGuideLst xmlns="" xmlns:p15="http://schemas.microsoft.com/office/powerpoint/2012/main">
         <p15:guide id="1" orient="horz" pos="2160" userDrawn="1">
           <p15:clr>
             <a:srgbClr val="FBAE40"/>
@@ -5347,7 +5347,7 @@
           <a:bodyPr/>
           <a:lstStyle/>
           <a:p>
-            <a:fld id="{786DE6A5-68D0-4BDE-82EF-2C8F45418394}" type="datetime1">
+            <a:fld id="{FD918A91-1924-4471-9808-ACB04D0ED8EA}" type="datetime1">
               <a:rPr lang="nl-BE" smtClean="0"/>
               <a:t>25/10/2017</a:t>
             </a:fld>
@@ -5372,7 +5372,7 @@
           <a:p>
             <a:r>
               <a:rPr lang="nl-NL" smtClean="0"/>
-              <a:t>Faculteit Wetenschappen, departement Computerwetenschappen</a:t>
+              <a:t>Departement Computerwetenschappen · Faculteit Wetenschappen · KU Leuven</a:t>
             </a:r>
             <a:endParaRPr lang="nl-NL" dirty="0"/>
           </a:p>
@@ -5468,7 +5468,7 @@
   </p:clrMapOvr>
   <p:extLst mod="1">
     <p:ext uri="{DCECCB84-F9BA-43D5-87BE-67443E8EF086}">
-      <p15:sldGuideLst xmlns:p15="http://schemas.microsoft.com/office/powerpoint/2012/main" xmlns="">
+      <p15:sldGuideLst xmlns="" xmlns:p15="http://schemas.microsoft.com/office/powerpoint/2012/main">
         <p15:guide id="1" orient="horz" pos="2160" userDrawn="1">
           <p15:clr>
             <a:srgbClr val="FBAE40"/>
@@ -5637,7 +5637,7 @@
           <a:bodyPr/>
           <a:lstStyle/>
           <a:p>
-            <a:fld id="{0FB6293C-1364-47B5-B78A-4BFB035E0543}" type="datetime1">
+            <a:fld id="{EA5FBAB9-5FA3-46D6-A3EF-8850D13E3E94}" type="datetime1">
               <a:rPr lang="nl-BE" smtClean="0"/>
               <a:t>25/10/2017</a:t>
             </a:fld>
@@ -5662,7 +5662,7 @@
           <a:p>
             <a:r>
               <a:rPr lang="nl-NL" smtClean="0"/>
-              <a:t>Faculteit Wetenschappen, departement Computerwetenschappen</a:t>
+              <a:t>Departement Computerwetenschappen · Faculteit Wetenschappen · KU Leuven</a:t>
             </a:r>
             <a:endParaRPr lang="nl-NL" dirty="0"/>
           </a:p>
@@ -6016,7 +6016,7 @@
           <a:bodyPr/>
           <a:lstStyle/>
           <a:p>
-            <a:fld id="{CBF8FC8E-05BC-46C1-9527-4BB859CE2E6B}" type="datetime1">
+            <a:fld id="{D02784A5-45C8-4246-ADE0-8842E3C66E5D}" type="datetime1">
               <a:rPr lang="nl-BE" smtClean="0"/>
               <a:t>25/10/2017</a:t>
             </a:fld>
@@ -6041,7 +6041,7 @@
           <a:p>
             <a:r>
               <a:rPr lang="nl-NL" smtClean="0"/>
-              <a:t>Faculteit Wetenschappen, departement Computerwetenschappen</a:t>
+              <a:t>Departement Computerwetenschappen · Faculteit Wetenschappen · KU Leuven</a:t>
             </a:r>
             <a:endParaRPr lang="nl-NL" dirty="0"/>
           </a:p>
@@ -6139,7 +6139,7 @@
           <a:bodyPr/>
           <a:lstStyle/>
           <a:p>
-            <a:fld id="{A0CEF747-DFD9-46E8-B539-E12B5F06602D}" type="datetime1">
+            <a:fld id="{C477E6CE-7017-4F77-9645-5F8638D9B9E2}" type="datetime1">
               <a:rPr lang="nl-BE" smtClean="0"/>
               <a:t>25/10/2017</a:t>
             </a:fld>
@@ -6164,7 +6164,7 @@
           <a:p>
             <a:r>
               <a:rPr lang="nl-NL" smtClean="0"/>
-              <a:t>Faculteit Wetenschappen, departement Computerwetenschappen</a:t>
+              <a:t>Departement Computerwetenschappen · Faculteit Wetenschappen · KU Leuven</a:t>
             </a:r>
             <a:endParaRPr lang="nl-NL" dirty="0"/>
           </a:p>
@@ -6262,7 +6262,7 @@
           <a:bodyPr/>
           <a:lstStyle/>
           <a:p>
-            <a:fld id="{3848C6C3-BEB6-480B-BFE6-F4F39BF95902}" type="datetime1">
+            <a:fld id="{56055E81-6827-4C1D-AD12-F50C5BE907ED}" type="datetime1">
               <a:rPr lang="nl-BE" smtClean="0"/>
               <a:t>25/10/2017</a:t>
             </a:fld>
@@ -6287,7 +6287,7 @@
           <a:p>
             <a:r>
               <a:rPr lang="nl-NL" smtClean="0"/>
-              <a:t>Faculteit Wetenschappen, departement Computerwetenschappen</a:t>
+              <a:t>Departement Computerwetenschappen · Faculteit Wetenschappen · KU Leuven</a:t>
             </a:r>
             <a:endParaRPr lang="nl-NL" dirty="0"/>
           </a:p>
@@ -6411,7 +6411,7 @@
           <a:bodyPr/>
           <a:lstStyle/>
           <a:p>
-            <a:fld id="{405A90F6-D89F-435C-BB04-6A536F1FF0FF}" type="datetime1">
+            <a:fld id="{F7042BA5-0515-4B7F-B8A4-B74FD521147B}" type="datetime1">
               <a:rPr lang="nl-BE" smtClean="0"/>
               <a:t>25/10/2017</a:t>
             </a:fld>
@@ -6436,7 +6436,7 @@
           <a:p>
             <a:r>
               <a:rPr lang="nl-NL" smtClean="0"/>
-              <a:t>Faculteit Wetenschappen, departement Computerwetenschappen</a:t>
+              <a:t>Departement Computerwetenschappen · Faculteit Wetenschappen · KU Leuven</a:t>
             </a:r>
             <a:endParaRPr lang="nl-NL" dirty="0"/>
           </a:p>
@@ -6579,7 +6579,7 @@
             </a:lvl1pPr>
           </a:lstStyle>
           <a:p>
-            <a:fld id="{8E465256-6183-4996-B31C-88B08BAE7469}" type="datetime1">
+            <a:fld id="{09EF3F9E-B585-4D67-B28C-5D7ABCECB608}" type="datetime1">
               <a:rPr lang="nl-BE" smtClean="0"/>
               <a:t>25/10/2017</a:t>
             </a:fld>
@@ -6692,7 +6692,7 @@
           <a:p>
             <a:r>
               <a:rPr lang="nl-NL" smtClean="0"/>
-              <a:t>Faculteit Wetenschappen, departement Computerwetenschappen</a:t>
+              <a:t>Departement Computerwetenschappen · Faculteit Wetenschappen · KU Leuven</a:t>
             </a:r>
             <a:endParaRPr lang="nl-NL" dirty="0"/>
           </a:p>
@@ -7095,7 +7095,7 @@
   </p:txStyles>
   <p:extLst mod="1">
     <p:ext uri="{27BBF7A9-308A-43DC-89C8-2F10F3537804}">
-      <p15:sldGuideLst xmlns:p15="http://schemas.microsoft.com/office/powerpoint/2012/main" xmlns="">
+      <p15:sldGuideLst xmlns="" xmlns:p15="http://schemas.microsoft.com/office/powerpoint/2012/main">
         <p15:guide id="1" orient="horz" pos="3816" userDrawn="1">
           <p15:clr>
             <a:srgbClr val="F26B43"/>
@@ -7217,7 +7217,7 @@
             </a:lvl1pPr>
           </a:lstStyle>
           <a:p>
-            <a:fld id="{C3955C2E-F138-42A7-BD50-766CEC9A9002}" type="datetime1">
+            <a:fld id="{15BE6352-CF92-4CB8-B2C0-9F716CAEF608}" type="datetime1">
               <a:rPr lang="nl-BE" smtClean="0"/>
               <a:t>25/10/2017</a:t>
             </a:fld>
@@ -7330,7 +7330,7 @@
           <a:p>
             <a:r>
               <a:rPr lang="nl-NL" smtClean="0"/>
-              <a:t>Faculteit Wetenschappen, departement Computerwetenschappen</a:t>
+              <a:t>Departement Computerwetenschappen · Faculteit Wetenschappen · KU Leuven</a:t>
             </a:r>
             <a:endParaRPr lang="nl-NL" dirty="0"/>
           </a:p>
@@ -7727,7 +7727,7 @@
   </p:txStyles>
   <p:extLst mod="1">
     <p:ext uri="{27BBF7A9-308A-43DC-89C8-2F10F3537804}">
-      <p15:sldGuideLst xmlns:p15="http://schemas.microsoft.com/office/powerpoint/2012/main" xmlns="">
+      <p15:sldGuideLst xmlns="" xmlns:p15="http://schemas.microsoft.com/office/powerpoint/2012/main">
         <p15:guide id="1" orient="horz" pos="1026" userDrawn="1">
           <p15:clr>
             <a:srgbClr val="F26B43"/>
@@ -7937,7 +7937,7 @@
           <a:p>
             <a:r>
               <a:rPr lang="nl-NL" smtClean="0"/>
-              <a:t>Faculteit Wetenschappen, departement Computerwetenschappen</a:t>
+              <a:t>Departement Computerwetenschappen · Faculteit Wetenschappen · KU Leuven</a:t>
             </a:r>
             <a:endParaRPr lang="nl-NL" dirty="0"/>
           </a:p>
@@ -8221,7 +8221,7 @@
           <a:p>
             <a:r>
               <a:rPr lang="nl-NL" smtClean="0"/>
-              <a:t>Faculteit Wetenschappen, departement Computerwetenschappen</a:t>
+              <a:t>Departement Computerwetenschappen · Faculteit Wetenschappen · KU Leuven</a:t>
             </a:r>
             <a:endParaRPr lang="nl-NL" dirty="0"/>
           </a:p>
@@ -8549,7 +8549,7 @@
           <a:p>
             <a:r>
               <a:rPr lang="nl-NL" smtClean="0"/>
-              <a:t>Faculteit Wetenschappen, departement Computerwetenschappen</a:t>
+              <a:t>Departement Computerwetenschappen · Faculteit Wetenschappen · KU Leuven</a:t>
             </a:r>
             <a:endParaRPr lang="nl-NL" dirty="0"/>
           </a:p>
@@ -8799,7 +8799,7 @@
           <a:p>
             <a:r>
               <a:rPr lang="nl-NL" smtClean="0"/>
-              <a:t>Faculteit Wetenschappen, departement Computerwetenschappen</a:t>
+              <a:t>Departement Computerwetenschappen · Faculteit Wetenschappen · KU Leuven</a:t>
             </a:r>
             <a:endParaRPr lang="nl-NL" dirty="0"/>
           </a:p>
@@ -9022,7 +9022,7 @@
           <a:p>
             <a:r>
               <a:rPr lang="nl-NL" smtClean="0"/>
-              <a:t>Faculteit Wetenschappen, departement Computerwetenschappen</a:t>
+              <a:t>Departement Computerwetenschappen · Faculteit Wetenschappen · KU Leuven</a:t>
             </a:r>
             <a:endParaRPr lang="nl-NL" dirty="0"/>
           </a:p>
@@ -9261,7 +9261,7 @@
           <a:p>
             <a:r>
               <a:rPr lang="nl-NL" smtClean="0"/>
-              <a:t>Faculteit Wetenschappen, departement Computerwetenschappen</a:t>
+              <a:t>Departement Computerwetenschappen · Faculteit Wetenschappen · KU Leuven</a:t>
             </a:r>
             <a:endParaRPr lang="nl-NL" dirty="0"/>
           </a:p>
@@ -9474,7 +9474,7 @@
           <a:p>
             <a:r>
               <a:rPr lang="nl-NL" smtClean="0"/>
-              <a:t>Faculteit Wetenschappen, departement Computerwetenschappen</a:t>
+              <a:t>Departement Computerwetenschappen · Faculteit Wetenschappen · KU Leuven</a:t>
             </a:r>
             <a:endParaRPr lang="nl-NL" dirty="0"/>
           </a:p>
@@ -10384,7 +10384,7 @@
           <a:p>
             <a:r>
               <a:rPr lang="nl-NL" smtClean="0"/>
-              <a:t>Faculteit Wetenschappen, departement Computerwetenschappen</a:t>
+              <a:t>Departement Computerwetenschappen · Faculteit Wetenschappen · KU Leuven</a:t>
             </a:r>
             <a:endParaRPr lang="nl-NL" dirty="0"/>
           </a:p>
@@ -10828,7 +10828,7 @@
           <a:p>
             <a:r>
               <a:rPr lang="nl-NL" smtClean="0"/>
-              <a:t>Faculteit Wetenschappen, departement Computerwetenschappen</a:t>
+              <a:t>Departement Computerwetenschappen · Faculteit Wetenschappen · KU Leuven</a:t>
             </a:r>
             <a:endParaRPr lang="nl-NL" dirty="0"/>
           </a:p>
@@ -11535,7 +11535,7 @@
   <a:extraClrSchemeLst/>
   <a:extLst>
     <a:ext uri="{05A4C25C-085E-4340-85A3-A5531E510DB2}">
-      <thm15:themeFamily xmlns:thm15="http://schemas.microsoft.com/office/thememl/2012/main" xmlns="" name="Office Theme" id="{62F939B6-93AF-4DB8-9C6B-D6C7DFDC589F}" vid="{4A3C46E8-61CC-4603-A589-7422A47A8E4A}"/>
+      <thm15:themeFamily xmlns="" xmlns:thm15="http://schemas.microsoft.com/office/thememl/2012/main" name="Office Theme" id="{62F939B6-93AF-4DB8-9C6B-D6C7DFDC589F}" vid="{4A3C46E8-61CC-4603-A589-7422A47A8E4A}"/>
     </a:ext>
   </a:extLst>
 </a:theme>
@@ -11796,7 +11796,7 @@
   <a:extraClrSchemeLst/>
   <a:extLst>
     <a:ext uri="{05A4C25C-085E-4340-85A3-A5531E510DB2}">
-      <thm15:themeFamily xmlns:thm15="http://schemas.microsoft.com/office/thememl/2012/main" xmlns="" name="Office Theme" id="{62F939B6-93AF-4DB8-9C6B-D6C7DFDC589F}" vid="{4A3C46E8-61CC-4603-A589-7422A47A8E4A}"/>
+      <thm15:themeFamily xmlns="" xmlns:thm15="http://schemas.microsoft.com/office/thememl/2012/main" name="Office Theme" id="{62F939B6-93AF-4DB8-9C6B-D6C7DFDC589F}" vid="{4A3C46E8-61CC-4603-A589-7422A47A8E4A}"/>
     </a:ext>
   </a:extLst>
 </a:theme>
@@ -12057,7 +12057,7 @@
   <a:extraClrSchemeLst/>
   <a:extLst>
     <a:ext uri="{05A4C25C-085E-4340-85A3-A5531E510DB2}">
-      <thm15:themeFamily xmlns:thm15="http://schemas.microsoft.com/office/thememl/2012/main" xmlns="" name="Office Theme" id="{62F939B6-93AF-4DB8-9C6B-D6C7DFDC589F}" vid="{4A3C46E8-61CC-4603-A589-7422A47A8E4A}"/>
+      <thm15:themeFamily xmlns="" xmlns:thm15="http://schemas.microsoft.com/office/thememl/2012/main" name="Office Theme" id="{62F939B6-93AF-4DB8-9C6B-D6C7DFDC589F}" vid="{4A3C46E8-61CC-4603-A589-7422A47A8E4A}"/>
     </a:ext>
   </a:extLst>
 </a:theme>

--- a/thesis/presentations/first/Probleemstellingv2.pptx
+++ b/thesis/presentations/first/Probleemstellingv2.pptx
@@ -122,7 +122,7 @@
   </p:defaultTextStyle>
   <p:extLst>
     <p:ext uri="{EFAFB233-063F-42B5-8137-9DF3F51BA10A}">
-      <p15:sldGuideLst xmlns="" xmlns:p15="http://schemas.microsoft.com/office/powerpoint/2012/main">
+      <p15:sldGuideLst xmlns:p15="http://schemas.microsoft.com/office/powerpoint/2012/main" xmlns="">
         <p15:guide id="1" orient="horz" pos="2160" userDrawn="1">
           <p15:clr>
             <a:srgbClr val="A4A3A4"/>
@@ -221,7 +221,7 @@
           <a:p>
             <a:fld id="{D6D09D9E-0F22-44ED-B43C-3F44EA87E898}" type="datetimeFigureOut">
               <a:rPr lang="en-US" smtClean="0"/>
-              <a:t>25-Oct-17</a:t>
+              <a:t>26-Oct-17</a:t>
             </a:fld>
             <a:endParaRPr lang="en-US"/>
           </a:p>
@@ -386,7 +386,7 @@
           <a:p>
             <a:fld id="{554F67E3-005B-4A5B-A64B-4E620D6532D3}" type="datetimeFigureOut">
               <a:rPr lang="nl-NL" smtClean="0"/>
-              <a:t>25-10-2017</a:t>
+              <a:t>26-10-2017</a:t>
             </a:fld>
             <a:endParaRPr lang="nl-NL"/>
           </a:p>
@@ -1078,7 +1078,15 @@
             </a:r>
             <a:r>
               <a:rPr lang="en-US" baseline="0" dirty="0" smtClean="0"/>
-              <a:t> research </a:t>
+              <a:t> </a:t>
+            </a:r>
+            <a:r>
+              <a:rPr lang="nl-NL" baseline="0" dirty="0" smtClean="0"/>
+              <a:t>o</a:t>
+            </a:r>
+            <a:r>
+              <a:rPr lang="nl-NL" dirty="0" smtClean="0"/>
+              <a:t>nderzoek </a:t>
             </a:r>
             <a:r>
               <a:rPr lang="en-US" baseline="0" dirty="0" err="1" smtClean="0"/>
@@ -1691,24 +1699,17 @@
             </a:r>
             <a:r>
               <a:rPr lang="en-US" baseline="0" dirty="0" smtClean="0"/>
-              <a:t> met </a:t>
-            </a:r>
-            <a:r>
-              <a:rPr lang="en-US" baseline="0" dirty="0" err="1" smtClean="0"/>
-              <a:t>zich</a:t>
-            </a:r>
-            <a:r>
-              <a:rPr lang="en-US" baseline="0" dirty="0" smtClean="0"/>
-              <a:t> </a:t>
-            </a:r>
-            <a:r>
-              <a:rPr lang="en-US" baseline="0" dirty="0" err="1" smtClean="0"/>
-              <a:t>meebrengt</a:t>
+              <a:t> </a:t>
+            </a:r>
+            <a:r>
+              <a:rPr lang="en-US" baseline="0" dirty="0" err="1" smtClean="0"/>
+              <a:t>onderstuend</a:t>
             </a:r>
             <a:r>
               <a:rPr lang="en-US" baseline="0" dirty="0" smtClean="0"/>
               <a:t>.</a:t>
             </a:r>
+            <a:endParaRPr lang="en-US" baseline="0" dirty="0" smtClean="0"/>
           </a:p>
           <a:p>
             <a:r>
@@ -2925,7 +2926,54 @@
                 <a:ea typeface="+mn-ea"/>
                 <a:cs typeface="+mn-cs"/>
               </a:rPr>
-              <a:t>Het spel bestaat uit een bord van 10 op 10 blokken. Wanneer het spel gestart wordt krijgen de blokken een random kleur toegewezen (uniforme distributie). Er zijn 4 kleuren in totaal: rood, groen, geel, blauw.</a:t>
+              <a:t>Zoals eerder gezegt modelleer</a:t>
+            </a:r>
+            <a:r>
+              <a:rPr lang="nl-BE" sz="1200" kern="1200" baseline="0" dirty="0" smtClean="0">
+                <a:solidFill>
+                  <a:schemeClr val="tx1"/>
+                </a:solidFill>
+                <a:effectLst/>
+                <a:latin typeface="+mn-lt"/>
+                <a:ea typeface="+mn-ea"/>
+                <a:cs typeface="+mn-cs"/>
+              </a:rPr>
+              <a:t> ik een spel in de PPL’s.</a:t>
+            </a:r>
+            <a:endParaRPr lang="nl-BE" sz="1200" kern="1200" dirty="0" smtClean="0">
+              <a:solidFill>
+                <a:schemeClr val="tx1"/>
+              </a:solidFill>
+              <a:effectLst/>
+              <a:latin typeface="+mn-lt"/>
+              <a:ea typeface="+mn-ea"/>
+              <a:cs typeface="+mn-cs"/>
+            </a:endParaRPr>
+          </a:p>
+          <a:p>
+            <a:r>
+              <a:rPr lang="nl-BE" sz="1200" kern="1200" dirty="0" smtClean="0">
+                <a:solidFill>
+                  <a:schemeClr val="tx1"/>
+                </a:solidFill>
+                <a:effectLst/>
+                <a:latin typeface="+mn-lt"/>
+                <a:ea typeface="+mn-ea"/>
+                <a:cs typeface="+mn-cs"/>
+              </a:rPr>
+              <a:t>Het </a:t>
+            </a:r>
+            <a:r>
+              <a:rPr lang="nl-BE" sz="1200" kern="1200" dirty="0" smtClean="0">
+                <a:solidFill>
+                  <a:schemeClr val="tx1"/>
+                </a:solidFill>
+                <a:effectLst/>
+                <a:latin typeface="+mn-lt"/>
+                <a:ea typeface="+mn-ea"/>
+                <a:cs typeface="+mn-cs"/>
+              </a:rPr>
+              <a:t>spel bestaat uit een bord van 10 op 10 blokken. Wanneer het spel gestart wordt krijgen de blokken een random kleur toegewezen (uniforme distributie). Er zijn 4 kleuren in totaal: rood, groen, geel, blauw.</a:t>
             </a:r>
             <a:endParaRPr lang="en-US" dirty="0"/>
           </a:p>
@@ -3231,7 +3279,611 @@
           <a:bodyPr/>
           <a:lstStyle/>
           <a:p>
-            <a:endParaRPr lang="en-US" dirty="0"/>
+            <a:r>
+              <a:rPr lang="en-US" dirty="0" err="1" smtClean="0"/>
+              <a:t>Zoals</a:t>
+            </a:r>
+            <a:r>
+              <a:rPr lang="en-US" dirty="0" smtClean="0"/>
+              <a:t> u </a:t>
+            </a:r>
+            <a:r>
+              <a:rPr lang="en-US" dirty="0" err="1" smtClean="0"/>
+              <a:t>kunt</a:t>
+            </a:r>
+            <a:r>
+              <a:rPr lang="en-US" dirty="0" smtClean="0"/>
+              <a:t> </a:t>
+            </a:r>
+            <a:r>
+              <a:rPr lang="en-US" dirty="0" err="1" smtClean="0"/>
+              <a:t>zien</a:t>
+            </a:r>
+            <a:r>
+              <a:rPr lang="en-US" dirty="0" smtClean="0"/>
+              <a:t> </a:t>
+            </a:r>
+            <a:r>
+              <a:rPr lang="en-US" dirty="0" err="1" smtClean="0"/>
+              <a:t>zijn</a:t>
+            </a:r>
+            <a:r>
+              <a:rPr lang="en-US" dirty="0" smtClean="0"/>
+              <a:t> </a:t>
+            </a:r>
+            <a:r>
+              <a:rPr lang="en-US" dirty="0" err="1" smtClean="0"/>
+              <a:t>er</a:t>
+            </a:r>
+            <a:r>
+              <a:rPr lang="en-US" dirty="0" smtClean="0"/>
+              <a:t> 2 </a:t>
+            </a:r>
+            <a:r>
+              <a:rPr lang="en-US" dirty="0" err="1" smtClean="0"/>
+              <a:t>kans</a:t>
+            </a:r>
+            <a:r>
+              <a:rPr lang="en-US" dirty="0" smtClean="0"/>
+              <a:t> </a:t>
+            </a:r>
+            <a:r>
+              <a:rPr lang="en-US" dirty="0" err="1" smtClean="0"/>
+              <a:t>distributies</a:t>
+            </a:r>
+            <a:r>
+              <a:rPr lang="en-US" dirty="0" smtClean="0"/>
+              <a:t>. De </a:t>
+            </a:r>
+            <a:r>
+              <a:rPr lang="en-US" dirty="0" err="1" smtClean="0"/>
+              <a:t>kans</a:t>
+            </a:r>
+            <a:r>
+              <a:rPr lang="en-US" dirty="0" smtClean="0"/>
+              <a:t> </a:t>
+            </a:r>
+            <a:r>
+              <a:rPr lang="en-US" dirty="0" err="1" smtClean="0"/>
+              <a:t>dat</a:t>
+            </a:r>
+            <a:r>
+              <a:rPr lang="en-US" dirty="0" smtClean="0"/>
+              <a:t> </a:t>
+            </a:r>
+            <a:r>
+              <a:rPr lang="en-US" dirty="0" err="1" smtClean="0"/>
+              <a:t>er</a:t>
+            </a:r>
+            <a:r>
+              <a:rPr lang="en-US" dirty="0" smtClean="0"/>
+              <a:t> op </a:t>
+            </a:r>
+            <a:r>
+              <a:rPr lang="en-US" dirty="0" err="1" smtClean="0"/>
+              <a:t>een</a:t>
+            </a:r>
+            <a:r>
+              <a:rPr lang="en-US" dirty="0" smtClean="0"/>
+              <a:t> </a:t>
+            </a:r>
+            <a:r>
+              <a:rPr lang="en-US" dirty="0" err="1" smtClean="0"/>
+              <a:t>blok</a:t>
+            </a:r>
+            <a:r>
+              <a:rPr lang="en-US" dirty="0" smtClean="0"/>
+              <a:t> </a:t>
+            </a:r>
+            <a:r>
+              <a:rPr lang="en-US" dirty="0" err="1" smtClean="0"/>
+              <a:t>wordt</a:t>
+            </a:r>
+            <a:r>
+              <a:rPr lang="en-US" dirty="0" smtClean="0"/>
+              <a:t> </a:t>
+            </a:r>
+            <a:r>
+              <a:rPr lang="en-US" dirty="0" err="1" smtClean="0"/>
+              <a:t>gedrukt</a:t>
+            </a:r>
+            <a:r>
+              <a:rPr lang="en-US" dirty="0" smtClean="0"/>
+              <a:t> is </a:t>
+            </a:r>
+            <a:r>
+              <a:rPr lang="en-US" dirty="0" err="1" smtClean="0"/>
+              <a:t>voor</a:t>
+            </a:r>
+            <a:r>
+              <a:rPr lang="en-US" dirty="0" smtClean="0"/>
+              <a:t> </a:t>
+            </a:r>
+            <a:r>
+              <a:rPr lang="en-US" dirty="0" err="1" smtClean="0"/>
+              <a:t>elke</a:t>
+            </a:r>
+            <a:r>
+              <a:rPr lang="en-US" dirty="0" smtClean="0"/>
+              <a:t> </a:t>
+            </a:r>
+            <a:r>
+              <a:rPr lang="en-US" dirty="0" err="1" smtClean="0"/>
+              <a:t>blok</a:t>
+            </a:r>
+            <a:r>
+              <a:rPr lang="en-US" dirty="0" smtClean="0"/>
+              <a:t> uniform in </a:t>
+            </a:r>
+            <a:r>
+              <a:rPr lang="en-US" dirty="0" err="1" smtClean="0"/>
+              <a:t>een</a:t>
+            </a:r>
+            <a:r>
+              <a:rPr lang="en-US" baseline="0" dirty="0" smtClean="0"/>
+              <a:t> </a:t>
+            </a:r>
+            <a:r>
+              <a:rPr lang="en-US" baseline="0" dirty="0" err="1" smtClean="0"/>
+              <a:t>vol</a:t>
+            </a:r>
+            <a:r>
+              <a:rPr lang="en-US" baseline="0" dirty="0" smtClean="0"/>
+              <a:t> </a:t>
+            </a:r>
+            <a:r>
+              <a:rPr lang="en-US" baseline="0" dirty="0" err="1" smtClean="0"/>
+              <a:t>bord</a:t>
+            </a:r>
+            <a:r>
+              <a:rPr lang="en-US" baseline="0" dirty="0" smtClean="0"/>
+              <a:t>. Maar </a:t>
+            </a:r>
+            <a:r>
+              <a:rPr lang="en-US" baseline="0" dirty="0" err="1" smtClean="0"/>
+              <a:t>als</a:t>
+            </a:r>
+            <a:r>
+              <a:rPr lang="en-US" baseline="0" dirty="0" smtClean="0"/>
+              <a:t> </a:t>
+            </a:r>
+            <a:r>
+              <a:rPr lang="en-US" baseline="0" dirty="0" err="1" smtClean="0"/>
+              <a:t>er</a:t>
+            </a:r>
+            <a:r>
+              <a:rPr lang="en-US" baseline="0" dirty="0" smtClean="0"/>
+              <a:t> </a:t>
+            </a:r>
+            <a:r>
+              <a:rPr lang="en-US" baseline="0" dirty="0" err="1" smtClean="0"/>
+              <a:t>blokken</a:t>
+            </a:r>
+            <a:r>
+              <a:rPr lang="en-US" baseline="0" dirty="0" smtClean="0"/>
+              <a:t> </a:t>
+            </a:r>
+            <a:r>
+              <a:rPr lang="en-US" baseline="0" dirty="0" err="1" smtClean="0"/>
+              <a:t>verdwijnen</a:t>
+            </a:r>
+            <a:r>
+              <a:rPr lang="en-US" baseline="0" dirty="0" smtClean="0"/>
+              <a:t> </a:t>
+            </a:r>
+            <a:r>
+              <a:rPr lang="en-US" baseline="0" dirty="0" err="1" smtClean="0"/>
+              <a:t>zal</a:t>
+            </a:r>
+            <a:r>
+              <a:rPr lang="en-US" baseline="0" dirty="0" smtClean="0"/>
+              <a:t> </a:t>
+            </a:r>
+            <a:r>
+              <a:rPr lang="en-US" baseline="0" dirty="0" err="1" smtClean="0"/>
+              <a:t>deze</a:t>
+            </a:r>
+            <a:r>
+              <a:rPr lang="en-US" baseline="0" dirty="0" smtClean="0"/>
+              <a:t> </a:t>
+            </a:r>
+            <a:r>
+              <a:rPr lang="en-US" baseline="0" dirty="0" err="1" smtClean="0"/>
+              <a:t>kans</a:t>
+            </a:r>
+            <a:r>
+              <a:rPr lang="en-US" baseline="0" dirty="0" smtClean="0"/>
+              <a:t> </a:t>
+            </a:r>
+            <a:r>
+              <a:rPr lang="en-US" baseline="0" dirty="0" err="1" smtClean="0"/>
+              <a:t>groter</a:t>
+            </a:r>
+            <a:r>
+              <a:rPr lang="en-US" baseline="0" dirty="0" smtClean="0"/>
+              <a:t> en </a:t>
+            </a:r>
+            <a:r>
+              <a:rPr lang="en-US" baseline="0" dirty="0" err="1" smtClean="0"/>
+              <a:t>groter</a:t>
+            </a:r>
+            <a:r>
+              <a:rPr lang="en-US" baseline="0" dirty="0" smtClean="0"/>
+              <a:t> </a:t>
+            </a:r>
+            <a:r>
+              <a:rPr lang="en-US" baseline="0" dirty="0" err="1" smtClean="0"/>
+              <a:t>worden</a:t>
+            </a:r>
+            <a:r>
+              <a:rPr lang="en-US" baseline="0" dirty="0" smtClean="0"/>
+              <a:t> </a:t>
+            </a:r>
+            <a:r>
+              <a:rPr lang="en-US" baseline="0" dirty="0" err="1" smtClean="0"/>
+              <a:t>voor</a:t>
+            </a:r>
+            <a:r>
+              <a:rPr lang="en-US" baseline="0" dirty="0" smtClean="0"/>
+              <a:t> de </a:t>
+            </a:r>
+            <a:r>
+              <a:rPr lang="en-US" baseline="0" dirty="0" err="1" smtClean="0"/>
+              <a:t>resterende</a:t>
+            </a:r>
+            <a:r>
+              <a:rPr lang="en-US" baseline="0" dirty="0" smtClean="0"/>
+              <a:t> </a:t>
+            </a:r>
+            <a:r>
+              <a:rPr lang="en-US" baseline="0" dirty="0" err="1" smtClean="0"/>
+              <a:t>blokken</a:t>
+            </a:r>
+            <a:r>
+              <a:rPr lang="en-US" baseline="0" dirty="0" smtClean="0"/>
+              <a:t>. </a:t>
+            </a:r>
+            <a:r>
+              <a:rPr lang="en-US" baseline="0" dirty="0" err="1" smtClean="0"/>
+              <a:t>Dit</a:t>
+            </a:r>
+            <a:r>
+              <a:rPr lang="en-US" baseline="0" dirty="0" smtClean="0"/>
+              <a:t> is </a:t>
+            </a:r>
+            <a:r>
+              <a:rPr lang="en-US" baseline="0" dirty="0" err="1" smtClean="0"/>
+              <a:t>duidelijk</a:t>
+            </a:r>
+            <a:r>
+              <a:rPr lang="en-US" baseline="0" dirty="0" smtClean="0"/>
+              <a:t> </a:t>
+            </a:r>
+            <a:r>
+              <a:rPr lang="en-US" baseline="0" dirty="0" err="1" smtClean="0"/>
+              <a:t>te</a:t>
+            </a:r>
+            <a:r>
+              <a:rPr lang="en-US" baseline="0" dirty="0" smtClean="0"/>
+              <a:t> </a:t>
+            </a:r>
+            <a:r>
+              <a:rPr lang="en-US" baseline="0" dirty="0" err="1" smtClean="0"/>
+              <a:t>zien</a:t>
+            </a:r>
+            <a:r>
+              <a:rPr lang="en-US" baseline="0" dirty="0" smtClean="0"/>
+              <a:t> in de </a:t>
+            </a:r>
+            <a:r>
+              <a:rPr lang="en-US" baseline="0" dirty="0" err="1" smtClean="0"/>
+              <a:t>afbeelding</a:t>
+            </a:r>
+            <a:r>
+              <a:rPr lang="en-US" baseline="0" dirty="0" smtClean="0"/>
+              <a:t>. </a:t>
+            </a:r>
+            <a:r>
+              <a:rPr lang="en-US" baseline="0" dirty="0" err="1" smtClean="0"/>
+              <a:t>Ik</a:t>
+            </a:r>
+            <a:r>
+              <a:rPr lang="en-US" baseline="0" dirty="0" smtClean="0"/>
+              <a:t> </a:t>
+            </a:r>
+            <a:r>
+              <a:rPr lang="en-US" baseline="0" dirty="0" err="1" smtClean="0"/>
+              <a:t>maak</a:t>
+            </a:r>
+            <a:r>
+              <a:rPr lang="en-US" baseline="0" dirty="0" smtClean="0"/>
+              <a:t> </a:t>
+            </a:r>
+            <a:r>
+              <a:rPr lang="en-US" baseline="0" dirty="0" err="1" smtClean="0"/>
+              <a:t>dus</a:t>
+            </a:r>
+            <a:r>
+              <a:rPr lang="en-US" baseline="0" dirty="0" smtClean="0"/>
+              <a:t> </a:t>
+            </a:r>
+            <a:r>
+              <a:rPr lang="en-US" baseline="0" dirty="0" err="1" smtClean="0"/>
+              <a:t>gebruik</a:t>
+            </a:r>
+            <a:r>
+              <a:rPr lang="en-US" baseline="0" dirty="0" smtClean="0"/>
+              <a:t> van </a:t>
+            </a:r>
+            <a:r>
+              <a:rPr lang="en-US" baseline="0" dirty="0" err="1" smtClean="0"/>
+              <a:t>flexibele</a:t>
+            </a:r>
+            <a:r>
+              <a:rPr lang="en-US" baseline="0" dirty="0" smtClean="0"/>
+              <a:t> </a:t>
+            </a:r>
+            <a:r>
+              <a:rPr lang="en-US" baseline="0" dirty="0" err="1" smtClean="0"/>
+              <a:t>kansen</a:t>
+            </a:r>
+            <a:r>
+              <a:rPr lang="en-US" baseline="0" dirty="0" smtClean="0"/>
+              <a:t> in het model.</a:t>
+            </a:r>
+          </a:p>
+          <a:p>
+            <a:endParaRPr lang="en-US" baseline="0" dirty="0" smtClean="0"/>
+          </a:p>
+          <a:p>
+            <a:r>
+              <a:rPr lang="en-US" baseline="0" dirty="0" err="1" smtClean="0"/>
+              <a:t>Een</a:t>
+            </a:r>
+            <a:r>
+              <a:rPr lang="en-US" baseline="0" dirty="0" smtClean="0"/>
+              <a:t> </a:t>
+            </a:r>
+            <a:r>
+              <a:rPr lang="en-US" baseline="0" dirty="0" err="1" smtClean="0"/>
+              <a:t>tweede</a:t>
+            </a:r>
+            <a:r>
+              <a:rPr lang="en-US" baseline="0" dirty="0" smtClean="0"/>
+              <a:t> </a:t>
+            </a:r>
+            <a:r>
+              <a:rPr lang="en-US" baseline="0" dirty="0" err="1" smtClean="0"/>
+              <a:t>kans</a:t>
+            </a:r>
+            <a:r>
+              <a:rPr lang="en-US" baseline="0" dirty="0" smtClean="0"/>
+              <a:t> </a:t>
+            </a:r>
+            <a:r>
+              <a:rPr lang="en-US" baseline="0" dirty="0" err="1" smtClean="0"/>
+              <a:t>distributie</a:t>
+            </a:r>
+            <a:r>
+              <a:rPr lang="en-US" baseline="0" dirty="0" smtClean="0"/>
+              <a:t> is het </a:t>
+            </a:r>
+            <a:r>
+              <a:rPr lang="en-US" baseline="0" dirty="0" err="1" smtClean="0"/>
+              <a:t>veranderen</a:t>
+            </a:r>
+            <a:r>
+              <a:rPr lang="en-US" baseline="0" dirty="0" smtClean="0"/>
+              <a:t> van </a:t>
+            </a:r>
+            <a:r>
+              <a:rPr lang="en-US" baseline="0" dirty="0" err="1" smtClean="0"/>
+              <a:t>kleuren</a:t>
+            </a:r>
+            <a:r>
+              <a:rPr lang="en-US" baseline="0" dirty="0" smtClean="0"/>
+              <a:t> </a:t>
+            </a:r>
+            <a:r>
+              <a:rPr lang="en-US" baseline="0" dirty="0" err="1" smtClean="0"/>
+              <a:t>gegeven</a:t>
+            </a:r>
+            <a:r>
+              <a:rPr lang="en-US" baseline="0" dirty="0" smtClean="0"/>
+              <a:t> </a:t>
+            </a:r>
+            <a:r>
+              <a:rPr lang="en-US" baseline="0" dirty="0" err="1" smtClean="0"/>
+              <a:t>een</a:t>
+            </a:r>
+            <a:r>
+              <a:rPr lang="en-US" baseline="0" dirty="0" smtClean="0"/>
+              <a:t> </a:t>
+            </a:r>
+            <a:r>
+              <a:rPr lang="en-US" baseline="0" dirty="0" err="1" smtClean="0"/>
+              <a:t>dat</a:t>
+            </a:r>
+            <a:r>
+              <a:rPr lang="en-US" baseline="0" dirty="0" smtClean="0"/>
+              <a:t> </a:t>
+            </a:r>
+            <a:r>
+              <a:rPr lang="en-US" baseline="0" dirty="0" err="1" smtClean="0"/>
+              <a:t>er</a:t>
+            </a:r>
+            <a:r>
+              <a:rPr lang="en-US" baseline="0" dirty="0" smtClean="0"/>
+              <a:t> op </a:t>
+            </a:r>
+            <a:r>
+              <a:rPr lang="en-US" baseline="0" dirty="0" err="1" smtClean="0"/>
+              <a:t>een</a:t>
+            </a:r>
+            <a:r>
+              <a:rPr lang="en-US" baseline="0" dirty="0" smtClean="0"/>
+              <a:t> </a:t>
+            </a:r>
+            <a:r>
+              <a:rPr lang="en-US" baseline="0" dirty="0" err="1" smtClean="0"/>
+              <a:t>blok</a:t>
+            </a:r>
+            <a:r>
+              <a:rPr lang="en-US" baseline="0" dirty="0" smtClean="0"/>
+              <a:t> </a:t>
+            </a:r>
+            <a:r>
+              <a:rPr lang="en-US" baseline="0" dirty="0" err="1" smtClean="0"/>
+              <a:t>wordt</a:t>
+            </a:r>
+            <a:r>
+              <a:rPr lang="en-US" baseline="0" dirty="0" smtClean="0"/>
+              <a:t> </a:t>
+            </a:r>
+            <a:r>
+              <a:rPr lang="en-US" baseline="0" dirty="0" err="1" smtClean="0"/>
+              <a:t>gedrukt</a:t>
+            </a:r>
+            <a:r>
+              <a:rPr lang="en-US" baseline="0" dirty="0" smtClean="0"/>
+              <a:t>. </a:t>
+            </a:r>
+            <a:r>
+              <a:rPr lang="en-US" baseline="0" dirty="0" err="1" smtClean="0"/>
+              <a:t>Deze</a:t>
+            </a:r>
+            <a:r>
+              <a:rPr lang="en-US" baseline="0" dirty="0" smtClean="0"/>
+              <a:t> </a:t>
+            </a:r>
+            <a:r>
+              <a:rPr lang="en-US" baseline="0" dirty="0" err="1" smtClean="0"/>
+              <a:t>distributie</a:t>
+            </a:r>
+            <a:r>
+              <a:rPr lang="en-US" baseline="0" dirty="0" smtClean="0"/>
+              <a:t> is </a:t>
+            </a:r>
+            <a:r>
+              <a:rPr lang="en-US" baseline="0" dirty="0" err="1" smtClean="0"/>
+              <a:t>afhankelijk</a:t>
+            </a:r>
+            <a:r>
+              <a:rPr lang="en-US" baseline="0" dirty="0" smtClean="0"/>
+              <a:t> van de </a:t>
+            </a:r>
+            <a:r>
+              <a:rPr lang="en-US" baseline="0" dirty="0" err="1" smtClean="0"/>
+              <a:t>vorige</a:t>
+            </a:r>
+            <a:r>
+              <a:rPr lang="en-US" baseline="0" dirty="0" smtClean="0"/>
+              <a:t> </a:t>
+            </a:r>
+            <a:r>
+              <a:rPr lang="en-US" baseline="0" dirty="0" err="1" smtClean="0"/>
+              <a:t>distributie</a:t>
+            </a:r>
+            <a:r>
+              <a:rPr lang="en-US" baseline="0" dirty="0" smtClean="0"/>
+              <a:t> </a:t>
+            </a:r>
+            <a:r>
+              <a:rPr lang="en-US" baseline="0" dirty="0" err="1" smtClean="0"/>
+              <a:t>omdat</a:t>
+            </a:r>
+            <a:r>
+              <a:rPr lang="en-US" baseline="0" dirty="0" smtClean="0"/>
+              <a:t> we pas </a:t>
+            </a:r>
+            <a:r>
+              <a:rPr lang="en-US" baseline="0" dirty="0" err="1" smtClean="0"/>
+              <a:t>weten</a:t>
+            </a:r>
+            <a:r>
+              <a:rPr lang="en-US" baseline="0" dirty="0" smtClean="0"/>
+              <a:t> </a:t>
+            </a:r>
+            <a:r>
+              <a:rPr lang="en-US" baseline="0" dirty="0" err="1" smtClean="0"/>
+              <a:t>welke</a:t>
+            </a:r>
+            <a:r>
+              <a:rPr lang="en-US" baseline="0" dirty="0" smtClean="0"/>
+              <a:t> </a:t>
+            </a:r>
+            <a:r>
+              <a:rPr lang="en-US" baseline="0" dirty="0" err="1" smtClean="0"/>
+              <a:t>kleur</a:t>
+            </a:r>
+            <a:r>
+              <a:rPr lang="en-US" baseline="0" dirty="0" smtClean="0"/>
+              <a:t> </a:t>
+            </a:r>
+            <a:r>
+              <a:rPr lang="en-US" baseline="0" dirty="0" err="1" smtClean="0"/>
+              <a:t>er</a:t>
+            </a:r>
+            <a:r>
+              <a:rPr lang="en-US" baseline="0" dirty="0" smtClean="0"/>
+              <a:t> </a:t>
+            </a:r>
+            <a:r>
+              <a:rPr lang="en-US" baseline="0" dirty="0" err="1" smtClean="0"/>
+              <a:t>verandert</a:t>
+            </a:r>
+            <a:r>
+              <a:rPr lang="en-US" baseline="0" dirty="0" smtClean="0"/>
+              <a:t> </a:t>
+            </a:r>
+            <a:r>
+              <a:rPr lang="en-US" baseline="0" dirty="0" err="1" smtClean="0"/>
+              <a:t>wordt</a:t>
+            </a:r>
+            <a:r>
+              <a:rPr lang="en-US" baseline="0" dirty="0" smtClean="0"/>
+              <a:t> </a:t>
+            </a:r>
+            <a:r>
+              <a:rPr lang="en-US" baseline="0" dirty="0" err="1" smtClean="0"/>
+              <a:t>als</a:t>
+            </a:r>
+            <a:r>
+              <a:rPr lang="en-US" baseline="0" dirty="0" smtClean="0"/>
+              <a:t> </a:t>
+            </a:r>
+            <a:r>
+              <a:rPr lang="en-US" baseline="0" dirty="0" err="1" smtClean="0"/>
+              <a:t>er</a:t>
+            </a:r>
+            <a:r>
+              <a:rPr lang="en-US" baseline="0" dirty="0" smtClean="0"/>
+              <a:t> op </a:t>
+            </a:r>
+            <a:r>
+              <a:rPr lang="en-US" baseline="0" dirty="0" err="1" smtClean="0"/>
+              <a:t>een</a:t>
+            </a:r>
+            <a:r>
+              <a:rPr lang="en-US" baseline="0" dirty="0" smtClean="0"/>
+              <a:t> </a:t>
+            </a:r>
+            <a:r>
+              <a:rPr lang="en-US" baseline="0" dirty="0" err="1" smtClean="0"/>
+              <a:t>blok</a:t>
+            </a:r>
+            <a:r>
+              <a:rPr lang="en-US" baseline="0" dirty="0" smtClean="0"/>
+              <a:t> </a:t>
+            </a:r>
+            <a:r>
+              <a:rPr lang="en-US" baseline="0" dirty="0" err="1" smtClean="0"/>
+              <a:t>gedrukt</a:t>
+            </a:r>
+            <a:r>
+              <a:rPr lang="en-US" baseline="0" dirty="0" smtClean="0"/>
+              <a:t> is.</a:t>
+            </a:r>
           </a:p>
         </p:txBody>
       </p:sp>
@@ -3606,7 +4258,7 @@
   </p:clrMapOvr>
   <p:extLst mod="1">
     <p:ext uri="{DCECCB84-F9BA-43D5-87BE-67443E8EF086}">
-      <p15:sldGuideLst xmlns="" xmlns:p15="http://schemas.microsoft.com/office/powerpoint/2012/main">
+      <p15:sldGuideLst xmlns:p15="http://schemas.microsoft.com/office/powerpoint/2012/main" xmlns="">
         <p15:guide id="1" orient="horz" pos="3929" userDrawn="1">
           <p15:clr>
             <a:srgbClr val="FBAE40"/>
@@ -3917,7 +4569,7 @@
   </p:clrMapOvr>
   <p:extLst mod="1">
     <p:ext uri="{DCECCB84-F9BA-43D5-87BE-67443E8EF086}">
-      <p15:sldGuideLst xmlns="" xmlns:p15="http://schemas.microsoft.com/office/powerpoint/2012/main">
+      <p15:sldGuideLst xmlns:p15="http://schemas.microsoft.com/office/powerpoint/2012/main" xmlns="">
         <p15:guide id="1" orient="horz" pos="3929">
           <p15:clr>
             <a:srgbClr val="FBAE40"/>
@@ -4205,7 +4857,7 @@
           <a:p>
             <a:fld id="{BA252000-72D1-4588-81D0-A21B268C4F60}" type="datetime1">
               <a:rPr lang="nl-BE" smtClean="0"/>
-              <a:t>25/10/2017</a:t>
+              <a:t>26/10/2017</a:t>
             </a:fld>
             <a:endParaRPr lang="nl-NL" dirty="0"/>
           </a:p>
@@ -4270,7 +4922,7 @@
   </p:clrMapOvr>
   <p:extLst mod="1">
     <p:ext uri="{DCECCB84-F9BA-43D5-87BE-67443E8EF086}">
-      <p15:sldGuideLst xmlns="" xmlns:p15="http://schemas.microsoft.com/office/powerpoint/2012/main">
+      <p15:sldGuideLst xmlns:p15="http://schemas.microsoft.com/office/powerpoint/2012/main" xmlns="">
         <p15:guide id="1" orient="horz" pos="2160">
           <p15:clr>
             <a:srgbClr val="FBAE40"/>
@@ -4512,7 +5164,7 @@
           <a:p>
             <a:fld id="{51B5EE41-54AE-48CB-8D18-4748453B9BC8}" type="datetime1">
               <a:rPr lang="nl-BE" smtClean="0"/>
-              <a:t>25/10/2017</a:t>
+              <a:t>26/10/2017</a:t>
             </a:fld>
             <a:endParaRPr lang="nl-NL" dirty="0"/>
           </a:p>
@@ -4577,7 +5229,7 @@
   </p:clrMapOvr>
   <p:extLst mod="1">
     <p:ext uri="{DCECCB84-F9BA-43D5-87BE-67443E8EF086}">
-      <p15:sldGuideLst xmlns="" xmlns:p15="http://schemas.microsoft.com/office/powerpoint/2012/main">
+      <p15:sldGuideLst xmlns:p15="http://schemas.microsoft.com/office/powerpoint/2012/main" xmlns="">
         <p15:guide id="1" orient="horz" pos="2160">
           <p15:clr>
             <a:srgbClr val="FBAE40"/>
@@ -4628,7 +5280,7 @@
           <a:p>
             <a:fld id="{325CFB26-3E0B-43F3-B1DB-8FF4C39B3D0D}" type="datetime1">
               <a:rPr lang="nl-BE" smtClean="0"/>
-              <a:t>25/10/2017</a:t>
+              <a:t>26/10/2017</a:t>
             </a:fld>
             <a:endParaRPr lang="nl-NL" dirty="0"/>
           </a:p>
@@ -5018,7 +5670,7 @@
           <a:p>
             <a:fld id="{DC4FC34B-922A-43D1-878B-5EF44FE511A8}" type="datetime1">
               <a:rPr lang="nl-BE" smtClean="0"/>
-              <a:t>25/10/2017</a:t>
+              <a:t>26/10/2017</a:t>
             </a:fld>
             <a:endParaRPr lang="nl-NL" dirty="0"/>
           </a:p>
@@ -5137,7 +5789,7 @@
   </p:clrMapOvr>
   <p:extLst mod="1">
     <p:ext uri="{DCECCB84-F9BA-43D5-87BE-67443E8EF086}">
-      <p15:sldGuideLst xmlns="" xmlns:p15="http://schemas.microsoft.com/office/powerpoint/2012/main">
+      <p15:sldGuideLst xmlns:p15="http://schemas.microsoft.com/office/powerpoint/2012/main" xmlns="">
         <p15:guide id="1" orient="horz" pos="2160" userDrawn="1">
           <p15:clr>
             <a:srgbClr val="FBAE40"/>
@@ -5349,7 +6001,7 @@
           <a:p>
             <a:fld id="{FD918A91-1924-4471-9808-ACB04D0ED8EA}" type="datetime1">
               <a:rPr lang="nl-BE" smtClean="0"/>
-              <a:t>25/10/2017</a:t>
+              <a:t>26/10/2017</a:t>
             </a:fld>
             <a:endParaRPr lang="nl-NL" dirty="0"/>
           </a:p>
@@ -5468,7 +6120,7 @@
   </p:clrMapOvr>
   <p:extLst mod="1">
     <p:ext uri="{DCECCB84-F9BA-43D5-87BE-67443E8EF086}">
-      <p15:sldGuideLst xmlns="" xmlns:p15="http://schemas.microsoft.com/office/powerpoint/2012/main">
+      <p15:sldGuideLst xmlns:p15="http://schemas.microsoft.com/office/powerpoint/2012/main" xmlns="">
         <p15:guide id="1" orient="horz" pos="2160" userDrawn="1">
           <p15:clr>
             <a:srgbClr val="FBAE40"/>
@@ -5639,7 +6291,7 @@
           <a:p>
             <a:fld id="{EA5FBAB9-5FA3-46D6-A3EF-8850D13E3E94}" type="datetime1">
               <a:rPr lang="nl-BE" smtClean="0"/>
-              <a:t>25/10/2017</a:t>
+              <a:t>26/10/2017</a:t>
             </a:fld>
             <a:endParaRPr lang="nl-NL" dirty="0"/>
           </a:p>
@@ -6018,7 +6670,7 @@
           <a:p>
             <a:fld id="{D02784A5-45C8-4246-ADE0-8842E3C66E5D}" type="datetime1">
               <a:rPr lang="nl-BE" smtClean="0"/>
-              <a:t>25/10/2017</a:t>
+              <a:t>26/10/2017</a:t>
             </a:fld>
             <a:endParaRPr lang="nl-NL" dirty="0"/>
           </a:p>
@@ -6141,7 +6793,7 @@
           <a:p>
             <a:fld id="{C477E6CE-7017-4F77-9645-5F8638D9B9E2}" type="datetime1">
               <a:rPr lang="nl-BE" smtClean="0"/>
-              <a:t>25/10/2017</a:t>
+              <a:t>26/10/2017</a:t>
             </a:fld>
             <a:endParaRPr lang="nl-NL" dirty="0"/>
           </a:p>
@@ -6264,7 +6916,7 @@
           <a:p>
             <a:fld id="{56055E81-6827-4C1D-AD12-F50C5BE907ED}" type="datetime1">
               <a:rPr lang="nl-BE" smtClean="0"/>
-              <a:t>25/10/2017</a:t>
+              <a:t>26/10/2017</a:t>
             </a:fld>
             <a:endParaRPr lang="nl-NL" dirty="0"/>
           </a:p>
@@ -6413,7 +7065,7 @@
           <a:p>
             <a:fld id="{F7042BA5-0515-4B7F-B8A4-B74FD521147B}" type="datetime1">
               <a:rPr lang="nl-BE" smtClean="0"/>
-              <a:t>25/10/2017</a:t>
+              <a:t>26/10/2017</a:t>
             </a:fld>
             <a:endParaRPr lang="nl-NL" dirty="0"/>
           </a:p>
@@ -6581,7 +7233,7 @@
           <a:p>
             <a:fld id="{09EF3F9E-B585-4D67-B28C-5D7ABCECB608}" type="datetime1">
               <a:rPr lang="nl-BE" smtClean="0"/>
-              <a:t>25/10/2017</a:t>
+              <a:t>26/10/2017</a:t>
             </a:fld>
             <a:endParaRPr lang="nl-NL" dirty="0"/>
           </a:p>
@@ -7095,7 +7747,7 @@
   </p:txStyles>
   <p:extLst mod="1">
     <p:ext uri="{27BBF7A9-308A-43DC-89C8-2F10F3537804}">
-      <p15:sldGuideLst xmlns="" xmlns:p15="http://schemas.microsoft.com/office/powerpoint/2012/main">
+      <p15:sldGuideLst xmlns:p15="http://schemas.microsoft.com/office/powerpoint/2012/main" xmlns="">
         <p15:guide id="1" orient="horz" pos="3816" userDrawn="1">
           <p15:clr>
             <a:srgbClr val="F26B43"/>
@@ -7219,7 +7871,7 @@
           <a:p>
             <a:fld id="{15BE6352-CF92-4CB8-B2C0-9F716CAEF608}" type="datetime1">
               <a:rPr lang="nl-BE" smtClean="0"/>
-              <a:t>25/10/2017</a:t>
+              <a:t>26/10/2017</a:t>
             </a:fld>
             <a:endParaRPr lang="nl-NL" dirty="0"/>
           </a:p>
@@ -7727,7 +8379,7 @@
   </p:txStyles>
   <p:extLst mod="1">
     <p:ext uri="{27BBF7A9-308A-43DC-89C8-2F10F3537804}">
-      <p15:sldGuideLst xmlns="" xmlns:p15="http://schemas.microsoft.com/office/powerpoint/2012/main">
+      <p15:sldGuideLst xmlns:p15="http://schemas.microsoft.com/office/powerpoint/2012/main" xmlns="">
         <p15:guide id="1" orient="horz" pos="1026" userDrawn="1">
           <p15:clr>
             <a:srgbClr val="F26B43"/>
@@ -8003,12 +8655,16 @@
               <a:t> </a:t>
             </a:r>
             <a:r>
-              <a:rPr lang="en-US" dirty="0" err="1"/>
-              <a:t>gelegen</a:t>
+              <a:rPr lang="en-US" dirty="0" err="1" smtClean="0"/>
+              <a:t>uitwerken</a:t>
+            </a:r>
+            <a:r>
+              <a:rPr lang="en-US" dirty="0" smtClean="0"/>
+              <a:t>: </a:t>
             </a:r>
             <a:r>
               <a:rPr lang="en-US" dirty="0"/>
-              <a:t>: Case study</a:t>
+              <a:t>Case study</a:t>
             </a:r>
           </a:p>
           <a:p>
@@ -8297,12 +8953,16 @@
               <a:t> </a:t>
             </a:r>
             <a:r>
-              <a:rPr lang="en-US" dirty="0" err="1"/>
-              <a:t>methodes</a:t>
+              <a:rPr lang="en-US" dirty="0" err="1" smtClean="0"/>
+              <a:t>implementaties</a:t>
+            </a:r>
+            <a:r>
+              <a:rPr lang="en-US" dirty="0" smtClean="0"/>
+              <a:t> en </a:t>
             </a:r>
             <a:r>
               <a:rPr lang="en-US" dirty="0"/>
-              <a:t> en tools</a:t>
+              <a:t>tools</a:t>
             </a:r>
           </a:p>
           <a:p>
@@ -8682,9 +9342,17 @@
               <a:t>Kimmig</a:t>
             </a:r>
             <a:r>
-              <a:rPr lang="en-US" dirty="0"/>
+              <a:rPr lang="en-US" dirty="0" smtClean="0"/>
               <a:t>)</a:t>
             </a:r>
+          </a:p>
+          <a:p>
+            <a:pPr lvl="1"/>
+            <a:r>
+              <a:rPr lang="en-US" dirty="0" smtClean="0"/>
+              <a:t>…</a:t>
+            </a:r>
+            <a:endParaRPr lang="en-US" dirty="0"/>
           </a:p>
           <a:p>
             <a:r>
@@ -8909,8 +9577,36 @@
               <a:t> in </a:t>
             </a:r>
             <a:r>
-              <a:rPr lang="en-US" dirty="0" err="1"/>
+              <a:rPr lang="en-US" dirty="0" err="1" smtClean="0"/>
               <a:t>implementatie</a:t>
+            </a:r>
+            <a:endParaRPr lang="en-US" dirty="0" smtClean="0"/>
+          </a:p>
+          <a:p>
+            <a:pPr lvl="1"/>
+            <a:r>
+              <a:rPr lang="en-US" dirty="0" err="1" smtClean="0"/>
+              <a:t>ProbLog</a:t>
+            </a:r>
+            <a:r>
+              <a:rPr lang="en-US" dirty="0" smtClean="0"/>
+              <a:t> </a:t>
+            </a:r>
+            <a:r>
+              <a:rPr lang="en-US" dirty="0" err="1" smtClean="0"/>
+              <a:t>logisch</a:t>
+            </a:r>
+            <a:endParaRPr lang="en-US" dirty="0" smtClean="0"/>
+          </a:p>
+          <a:p>
+            <a:pPr lvl="1"/>
+            <a:r>
+              <a:rPr lang="en-US" dirty="0" smtClean="0"/>
+              <a:t>Anglican </a:t>
+            </a:r>
+            <a:r>
+              <a:rPr lang="en-US" dirty="0" err="1" smtClean="0"/>
+              <a:t>functioneel</a:t>
             </a:r>
             <a:endParaRPr lang="en-US" dirty="0"/>
           </a:p>
@@ -9639,35 +10335,6 @@
               <a:t>Spel</a:t>
             </a:r>
             <a:endParaRPr lang="en-US" dirty="0"/>
-          </a:p>
-        </p:txBody>
-      </p:sp>
-      <p:sp>
-        <p:nvSpPr>
-          <p:cNvPr id="25" name="TextBox 24"/>
-          <p:cNvSpPr txBox="1"/>
-          <p:nvPr/>
-        </p:nvSpPr>
-        <p:spPr>
-          <a:xfrm>
-            <a:off x="6005013" y="6581001"/>
-            <a:ext cx="1071897" cy="276999"/>
-          </a:xfrm>
-          <a:prstGeom prst="rect">
-            <a:avLst/>
-          </a:prstGeom>
-          <a:noFill/>
-        </p:spPr>
-        <p:txBody>
-          <a:bodyPr wrap="none" rtlCol="0">
-            <a:spAutoFit/>
-          </a:bodyPr>
-          <a:lstStyle/>
-          <a:p>
-            <a:r>
-              <a:rPr lang="en-US" sz="1200" dirty="0" smtClean="0"/>
-              <a:t>Color = yellow</a:t>
-            </a:r>
           </a:p>
         </p:txBody>
       </p:sp>
@@ -10330,6 +10997,114 @@
           </a:p>
         </p:txBody>
       </p:sp>
+      <p:sp>
+        <p:nvSpPr>
+          <p:cNvPr id="6" name="TextBox 5"/>
+          <p:cNvSpPr txBox="1"/>
+          <p:nvPr/>
+        </p:nvSpPr>
+        <p:spPr>
+          <a:xfrm>
+            <a:off x="2478695" y="2970167"/>
+            <a:ext cx="601447" cy="646331"/>
+          </a:xfrm>
+          <a:prstGeom prst="rect">
+            <a:avLst/>
+          </a:prstGeom>
+          <a:noFill/>
+        </p:spPr>
+        <p:txBody>
+          <a:bodyPr wrap="none" rtlCol="0">
+            <a:spAutoFit/>
+          </a:bodyPr>
+          <a:lstStyle/>
+          <a:p>
+            <a:r>
+              <a:rPr lang="en-US" dirty="0" smtClean="0"/>
+              <a:t>X=2</a:t>
+            </a:r>
+          </a:p>
+          <a:p>
+            <a:r>
+              <a:rPr lang="en-US" dirty="0" smtClean="0"/>
+              <a:t>Y=2</a:t>
+            </a:r>
+            <a:endParaRPr lang="en-US" dirty="0"/>
+          </a:p>
+        </p:txBody>
+      </p:sp>
+      <p:sp>
+        <p:nvSpPr>
+          <p:cNvPr id="7" name="TextBox 6"/>
+          <p:cNvSpPr txBox="1"/>
+          <p:nvPr/>
+        </p:nvSpPr>
+        <p:spPr>
+          <a:xfrm>
+            <a:off x="3968112" y="2646231"/>
+            <a:ext cx="1037843" cy="369332"/>
+          </a:xfrm>
+          <a:prstGeom prst="rect">
+            <a:avLst/>
+          </a:prstGeom>
+          <a:noFill/>
+        </p:spPr>
+        <p:txBody>
+          <a:bodyPr wrap="square" rtlCol="0">
+            <a:spAutoFit/>
+          </a:bodyPr>
+          <a:lstStyle/>
+          <a:p>
+            <a:r>
+              <a:rPr lang="en-US" dirty="0" smtClean="0"/>
+              <a:t>1    2   3</a:t>
+            </a:r>
+            <a:endParaRPr lang="en-US" dirty="0"/>
+          </a:p>
+        </p:txBody>
+      </p:sp>
+      <p:sp>
+        <p:nvSpPr>
+          <p:cNvPr id="26" name="TextBox 25"/>
+          <p:cNvSpPr txBox="1"/>
+          <p:nvPr/>
+        </p:nvSpPr>
+        <p:spPr>
+          <a:xfrm>
+            <a:off x="3625892" y="3092371"/>
+            <a:ext cx="300098" cy="923330"/>
+          </a:xfrm>
+          <a:prstGeom prst="rect">
+            <a:avLst/>
+          </a:prstGeom>
+          <a:noFill/>
+        </p:spPr>
+        <p:txBody>
+          <a:bodyPr wrap="square" rtlCol="0">
+            <a:spAutoFit/>
+          </a:bodyPr>
+          <a:lstStyle/>
+          <a:p>
+            <a:r>
+              <a:rPr lang="en-US" dirty="0" smtClean="0"/>
+              <a:t>1</a:t>
+            </a:r>
+          </a:p>
+          <a:p>
+            <a:r>
+              <a:rPr lang="en-US" dirty="0" smtClean="0"/>
+              <a:t>2</a:t>
+            </a:r>
+          </a:p>
+          <a:p>
+            <a:r>
+              <a:rPr lang="en-US" dirty="0" smtClean="0"/>
+              <a:t>3</a:t>
+            </a:r>
+            <a:endParaRPr lang="en-US" dirty="0"/>
+          </a:p>
+        </p:txBody>
+      </p:sp>
     </p:spTree>
     <p:extLst>
       <p:ext uri="{BB962C8B-B14F-4D97-AF65-F5344CB8AC3E}">
@@ -10895,8 +11670,28 @@
             <a:pPr lvl="1"/>
             <a:r>
               <a:rPr lang="en-US" dirty="0" smtClean="0"/>
-              <a:t>Blok(X, Y)</a:t>
-            </a:r>
+              <a:t>Blok(X, Y</a:t>
+            </a:r>
+            <a:r>
+              <a:rPr lang="en-US" dirty="0" smtClean="0"/>
+              <a:t>)</a:t>
+            </a:r>
+          </a:p>
+          <a:p>
+            <a:pPr lvl="2"/>
+            <a:r>
+              <a:rPr lang="en-US" dirty="0" err="1"/>
+              <a:t>Flexibele</a:t>
+            </a:r>
+            <a:r>
+              <a:rPr lang="en-US" dirty="0"/>
+              <a:t> </a:t>
+            </a:r>
+            <a:r>
+              <a:rPr lang="en-US" dirty="0" err="1" smtClean="0"/>
+              <a:t>kans</a:t>
+            </a:r>
+            <a:endParaRPr lang="en-US" dirty="0" smtClean="0"/>
           </a:p>
           <a:p>
             <a:pPr lvl="1"/>
@@ -10924,21 +11719,6 @@
               <a:rPr lang="en-US" dirty="0" smtClean="0"/>
               <a:t>)</a:t>
             </a:r>
-          </a:p>
-          <a:p>
-            <a:r>
-              <a:rPr lang="en-US" dirty="0" err="1" smtClean="0"/>
-              <a:t>Flexibele</a:t>
-            </a:r>
-            <a:r>
-              <a:rPr lang="en-US" dirty="0" smtClean="0"/>
-              <a:t> </a:t>
-            </a:r>
-            <a:r>
-              <a:rPr lang="en-US" dirty="0" err="1"/>
-              <a:t>kansen</a:t>
-            </a:r>
-            <a:endParaRPr lang="en-US" dirty="0"/>
           </a:p>
           <a:p>
             <a:endParaRPr lang="en-US" dirty="0"/>
@@ -11535,7 +12315,7 @@
   <a:extraClrSchemeLst/>
   <a:extLst>
     <a:ext uri="{05A4C25C-085E-4340-85A3-A5531E510DB2}">
-      <thm15:themeFamily xmlns="" xmlns:thm15="http://schemas.microsoft.com/office/thememl/2012/main" name="Office Theme" id="{62F939B6-93AF-4DB8-9C6B-D6C7DFDC589F}" vid="{4A3C46E8-61CC-4603-A589-7422A47A8E4A}"/>
+      <thm15:themeFamily xmlns:thm15="http://schemas.microsoft.com/office/thememl/2012/main" xmlns="" name="Office Theme" id="{62F939B6-93AF-4DB8-9C6B-D6C7DFDC589F}" vid="{4A3C46E8-61CC-4603-A589-7422A47A8E4A}"/>
     </a:ext>
   </a:extLst>
 </a:theme>
@@ -11796,7 +12576,7 @@
   <a:extraClrSchemeLst/>
   <a:extLst>
     <a:ext uri="{05A4C25C-085E-4340-85A3-A5531E510DB2}">
-      <thm15:themeFamily xmlns="" xmlns:thm15="http://schemas.microsoft.com/office/thememl/2012/main" name="Office Theme" id="{62F939B6-93AF-4DB8-9C6B-D6C7DFDC589F}" vid="{4A3C46E8-61CC-4603-A589-7422A47A8E4A}"/>
+      <thm15:themeFamily xmlns:thm15="http://schemas.microsoft.com/office/thememl/2012/main" xmlns="" name="Office Theme" id="{62F939B6-93AF-4DB8-9C6B-D6C7DFDC589F}" vid="{4A3C46E8-61CC-4603-A589-7422A47A8E4A}"/>
     </a:ext>
   </a:extLst>
 </a:theme>
@@ -12057,7 +12837,7 @@
   <a:extraClrSchemeLst/>
   <a:extLst>
     <a:ext uri="{05A4C25C-085E-4340-85A3-A5531E510DB2}">
-      <thm15:themeFamily xmlns="" xmlns:thm15="http://schemas.microsoft.com/office/thememl/2012/main" name="Office Theme" id="{62F939B6-93AF-4DB8-9C6B-D6C7DFDC589F}" vid="{4A3C46E8-61CC-4603-A589-7422A47A8E4A}"/>
+      <thm15:themeFamily xmlns:thm15="http://schemas.microsoft.com/office/thememl/2012/main" xmlns="" name="Office Theme" id="{62F939B6-93AF-4DB8-9C6B-D6C7DFDC589F}" vid="{4A3C46E8-61CC-4603-A589-7422A47A8E4A}"/>
     </a:ext>
   </a:extLst>
 </a:theme>

--- a/thesis/presentations/first/Probleemstellingv2.pptx
+++ b/thesis/presentations/first/Probleemstellingv2.pptx
@@ -122,7 +122,7 @@
   </p:defaultTextStyle>
   <p:extLst>
     <p:ext uri="{EFAFB233-063F-42B5-8137-9DF3F51BA10A}">
-      <p15:sldGuideLst xmlns:p15="http://schemas.microsoft.com/office/powerpoint/2012/main" xmlns="">
+      <p15:sldGuideLst xmlns="" xmlns:p15="http://schemas.microsoft.com/office/powerpoint/2012/main">
         <p15:guide id="1" orient="horz" pos="2160" userDrawn="1">
           <p15:clr>
             <a:srgbClr val="A4A3A4"/>
@@ -221,7 +221,7 @@
           <a:p>
             <a:fld id="{D6D09D9E-0F22-44ED-B43C-3F44EA87E898}" type="datetimeFigureOut">
               <a:rPr lang="en-US" smtClean="0"/>
-              <a:t>26-Oct-17</a:t>
+              <a:t>27-Oct-17</a:t>
             </a:fld>
             <a:endParaRPr lang="en-US"/>
           </a:p>
@@ -386,7 +386,7 @@
           <a:p>
             <a:fld id="{554F67E3-005B-4A5B-A64B-4E620D6532D3}" type="datetimeFigureOut">
               <a:rPr lang="nl-NL" smtClean="0"/>
-              <a:t>26-10-2017</a:t>
+              <a:t>27-10-2017</a:t>
             </a:fld>
             <a:endParaRPr lang="nl-NL"/>
           </a:p>
@@ -1703,13 +1703,12 @@
             </a:r>
             <a:r>
               <a:rPr lang="en-US" baseline="0" dirty="0" err="1" smtClean="0"/>
-              <a:t>onderstuend</a:t>
+              <a:t>ondersteund</a:t>
             </a:r>
             <a:r>
               <a:rPr lang="en-US" baseline="0" dirty="0" smtClean="0"/>
               <a:t>.</a:t>
             </a:r>
-            <a:endParaRPr lang="en-US" baseline="0" dirty="0" smtClean="0"/>
           </a:p>
           <a:p>
             <a:r>
@@ -2961,19 +2960,7 @@
                 <a:ea typeface="+mn-ea"/>
                 <a:cs typeface="+mn-cs"/>
               </a:rPr>
-              <a:t>Het </a:t>
-            </a:r>
-            <a:r>
-              <a:rPr lang="nl-BE" sz="1200" kern="1200" dirty="0" smtClean="0">
-                <a:solidFill>
-                  <a:schemeClr val="tx1"/>
-                </a:solidFill>
-                <a:effectLst/>
-                <a:latin typeface="+mn-lt"/>
-                <a:ea typeface="+mn-ea"/>
-                <a:cs typeface="+mn-cs"/>
-              </a:rPr>
-              <a:t>spel bestaat uit een bord van 10 op 10 blokken. Wanneer het spel gestart wordt krijgen de blokken een random kleur toegewezen (uniforme distributie). Er zijn 4 kleuren in totaal: rood, groen, geel, blauw.</a:t>
+              <a:t>Het spel bestaat uit een bord van 10 op 10 blokken. Wanneer het spel gestart wordt krijgen de blokken een random kleur toegewezen (uniforme distributie). Er zijn 4 kleuren in totaal: rood, groen, geel, blauw.</a:t>
             </a:r>
             <a:endParaRPr lang="en-US" dirty="0"/>
           </a:p>
@@ -4258,7 +4245,7 @@
   </p:clrMapOvr>
   <p:extLst mod="1">
     <p:ext uri="{DCECCB84-F9BA-43D5-87BE-67443E8EF086}">
-      <p15:sldGuideLst xmlns:p15="http://schemas.microsoft.com/office/powerpoint/2012/main" xmlns="">
+      <p15:sldGuideLst xmlns="" xmlns:p15="http://schemas.microsoft.com/office/powerpoint/2012/main">
         <p15:guide id="1" orient="horz" pos="3929" userDrawn="1">
           <p15:clr>
             <a:srgbClr val="FBAE40"/>
@@ -4569,7 +4556,7 @@
   </p:clrMapOvr>
   <p:extLst mod="1">
     <p:ext uri="{DCECCB84-F9BA-43D5-87BE-67443E8EF086}">
-      <p15:sldGuideLst xmlns:p15="http://schemas.microsoft.com/office/powerpoint/2012/main" xmlns="">
+      <p15:sldGuideLst xmlns="" xmlns:p15="http://schemas.microsoft.com/office/powerpoint/2012/main">
         <p15:guide id="1" orient="horz" pos="3929">
           <p15:clr>
             <a:srgbClr val="FBAE40"/>
@@ -4857,7 +4844,7 @@
           <a:p>
             <a:fld id="{BA252000-72D1-4588-81D0-A21B268C4F60}" type="datetime1">
               <a:rPr lang="nl-BE" smtClean="0"/>
-              <a:t>26/10/2017</a:t>
+              <a:t>27/10/2017</a:t>
             </a:fld>
             <a:endParaRPr lang="nl-NL" dirty="0"/>
           </a:p>
@@ -4922,7 +4909,7 @@
   </p:clrMapOvr>
   <p:extLst mod="1">
     <p:ext uri="{DCECCB84-F9BA-43D5-87BE-67443E8EF086}">
-      <p15:sldGuideLst xmlns:p15="http://schemas.microsoft.com/office/powerpoint/2012/main" xmlns="">
+      <p15:sldGuideLst xmlns="" xmlns:p15="http://schemas.microsoft.com/office/powerpoint/2012/main">
         <p15:guide id="1" orient="horz" pos="2160">
           <p15:clr>
             <a:srgbClr val="FBAE40"/>
@@ -5164,7 +5151,7 @@
           <a:p>
             <a:fld id="{51B5EE41-54AE-48CB-8D18-4748453B9BC8}" type="datetime1">
               <a:rPr lang="nl-BE" smtClean="0"/>
-              <a:t>26/10/2017</a:t>
+              <a:t>27/10/2017</a:t>
             </a:fld>
             <a:endParaRPr lang="nl-NL" dirty="0"/>
           </a:p>
@@ -5229,7 +5216,7 @@
   </p:clrMapOvr>
   <p:extLst mod="1">
     <p:ext uri="{DCECCB84-F9BA-43D5-87BE-67443E8EF086}">
-      <p15:sldGuideLst xmlns:p15="http://schemas.microsoft.com/office/powerpoint/2012/main" xmlns="">
+      <p15:sldGuideLst xmlns="" xmlns:p15="http://schemas.microsoft.com/office/powerpoint/2012/main">
         <p15:guide id="1" orient="horz" pos="2160">
           <p15:clr>
             <a:srgbClr val="FBAE40"/>
@@ -5280,7 +5267,7 @@
           <a:p>
             <a:fld id="{325CFB26-3E0B-43F3-B1DB-8FF4C39B3D0D}" type="datetime1">
               <a:rPr lang="nl-BE" smtClean="0"/>
-              <a:t>26/10/2017</a:t>
+              <a:t>27/10/2017</a:t>
             </a:fld>
             <a:endParaRPr lang="nl-NL" dirty="0"/>
           </a:p>
@@ -5670,7 +5657,7 @@
           <a:p>
             <a:fld id="{DC4FC34B-922A-43D1-878B-5EF44FE511A8}" type="datetime1">
               <a:rPr lang="nl-BE" smtClean="0"/>
-              <a:t>26/10/2017</a:t>
+              <a:t>27/10/2017</a:t>
             </a:fld>
             <a:endParaRPr lang="nl-NL" dirty="0"/>
           </a:p>
@@ -5789,7 +5776,7 @@
   </p:clrMapOvr>
   <p:extLst mod="1">
     <p:ext uri="{DCECCB84-F9BA-43D5-87BE-67443E8EF086}">
-      <p15:sldGuideLst xmlns:p15="http://schemas.microsoft.com/office/powerpoint/2012/main" xmlns="">
+      <p15:sldGuideLst xmlns="" xmlns:p15="http://schemas.microsoft.com/office/powerpoint/2012/main">
         <p15:guide id="1" orient="horz" pos="2160" userDrawn="1">
           <p15:clr>
             <a:srgbClr val="FBAE40"/>
@@ -6001,7 +5988,7 @@
           <a:p>
             <a:fld id="{FD918A91-1924-4471-9808-ACB04D0ED8EA}" type="datetime1">
               <a:rPr lang="nl-BE" smtClean="0"/>
-              <a:t>26/10/2017</a:t>
+              <a:t>27/10/2017</a:t>
             </a:fld>
             <a:endParaRPr lang="nl-NL" dirty="0"/>
           </a:p>
@@ -6120,7 +6107,7 @@
   </p:clrMapOvr>
   <p:extLst mod="1">
     <p:ext uri="{DCECCB84-F9BA-43D5-87BE-67443E8EF086}">
-      <p15:sldGuideLst xmlns:p15="http://schemas.microsoft.com/office/powerpoint/2012/main" xmlns="">
+      <p15:sldGuideLst xmlns="" xmlns:p15="http://schemas.microsoft.com/office/powerpoint/2012/main">
         <p15:guide id="1" orient="horz" pos="2160" userDrawn="1">
           <p15:clr>
             <a:srgbClr val="FBAE40"/>
@@ -6291,7 +6278,7 @@
           <a:p>
             <a:fld id="{EA5FBAB9-5FA3-46D6-A3EF-8850D13E3E94}" type="datetime1">
               <a:rPr lang="nl-BE" smtClean="0"/>
-              <a:t>26/10/2017</a:t>
+              <a:t>27/10/2017</a:t>
             </a:fld>
             <a:endParaRPr lang="nl-NL" dirty="0"/>
           </a:p>
@@ -6670,7 +6657,7 @@
           <a:p>
             <a:fld id="{D02784A5-45C8-4246-ADE0-8842E3C66E5D}" type="datetime1">
               <a:rPr lang="nl-BE" smtClean="0"/>
-              <a:t>26/10/2017</a:t>
+              <a:t>27/10/2017</a:t>
             </a:fld>
             <a:endParaRPr lang="nl-NL" dirty="0"/>
           </a:p>
@@ -6793,7 +6780,7 @@
           <a:p>
             <a:fld id="{C477E6CE-7017-4F77-9645-5F8638D9B9E2}" type="datetime1">
               <a:rPr lang="nl-BE" smtClean="0"/>
-              <a:t>26/10/2017</a:t>
+              <a:t>27/10/2017</a:t>
             </a:fld>
             <a:endParaRPr lang="nl-NL" dirty="0"/>
           </a:p>
@@ -6916,7 +6903,7 @@
           <a:p>
             <a:fld id="{56055E81-6827-4C1D-AD12-F50C5BE907ED}" type="datetime1">
               <a:rPr lang="nl-BE" smtClean="0"/>
-              <a:t>26/10/2017</a:t>
+              <a:t>27/10/2017</a:t>
             </a:fld>
             <a:endParaRPr lang="nl-NL" dirty="0"/>
           </a:p>
@@ -7065,7 +7052,7 @@
           <a:p>
             <a:fld id="{F7042BA5-0515-4B7F-B8A4-B74FD521147B}" type="datetime1">
               <a:rPr lang="nl-BE" smtClean="0"/>
-              <a:t>26/10/2017</a:t>
+              <a:t>27/10/2017</a:t>
             </a:fld>
             <a:endParaRPr lang="nl-NL" dirty="0"/>
           </a:p>
@@ -7233,7 +7220,7 @@
           <a:p>
             <a:fld id="{09EF3F9E-B585-4D67-B28C-5D7ABCECB608}" type="datetime1">
               <a:rPr lang="nl-BE" smtClean="0"/>
-              <a:t>26/10/2017</a:t>
+              <a:t>27/10/2017</a:t>
             </a:fld>
             <a:endParaRPr lang="nl-NL" dirty="0"/>
           </a:p>
@@ -7747,7 +7734,7 @@
   </p:txStyles>
   <p:extLst mod="1">
     <p:ext uri="{27BBF7A9-308A-43DC-89C8-2F10F3537804}">
-      <p15:sldGuideLst xmlns:p15="http://schemas.microsoft.com/office/powerpoint/2012/main" xmlns="">
+      <p15:sldGuideLst xmlns="" xmlns:p15="http://schemas.microsoft.com/office/powerpoint/2012/main">
         <p15:guide id="1" orient="horz" pos="3816" userDrawn="1">
           <p15:clr>
             <a:srgbClr val="F26B43"/>
@@ -7871,7 +7858,7 @@
           <a:p>
             <a:fld id="{15BE6352-CF92-4CB8-B2C0-9F716CAEF608}" type="datetime1">
               <a:rPr lang="nl-BE" smtClean="0"/>
-              <a:t>26/10/2017</a:t>
+              <a:t>27/10/2017</a:t>
             </a:fld>
             <a:endParaRPr lang="nl-NL" dirty="0"/>
           </a:p>
@@ -8379,7 +8366,7 @@
   </p:txStyles>
   <p:extLst mod="1">
     <p:ext uri="{27BBF7A9-308A-43DC-89C8-2F10F3537804}">
-      <p15:sldGuideLst xmlns:p15="http://schemas.microsoft.com/office/powerpoint/2012/main" xmlns="">
+      <p15:sldGuideLst xmlns="" xmlns:p15="http://schemas.microsoft.com/office/powerpoint/2012/main">
         <p15:guide id="1" orient="horz" pos="1026" userDrawn="1">
           <p15:clr>
             <a:srgbClr val="F26B43"/>
@@ -11670,11 +11657,7 @@
             <a:pPr lvl="1"/>
             <a:r>
               <a:rPr lang="en-US" dirty="0" smtClean="0"/>
-              <a:t>Blok(X, Y</a:t>
-            </a:r>
-            <a:r>
-              <a:rPr lang="en-US" dirty="0" smtClean="0"/>
-              <a:t>)</a:t>
+              <a:t>Blok(X, Y)</a:t>
             </a:r>
           </a:p>
           <a:p>
@@ -12315,7 +12298,7 @@
   <a:extraClrSchemeLst/>
   <a:extLst>
     <a:ext uri="{05A4C25C-085E-4340-85A3-A5531E510DB2}">
-      <thm15:themeFamily xmlns:thm15="http://schemas.microsoft.com/office/thememl/2012/main" xmlns="" name="Office Theme" id="{62F939B6-93AF-4DB8-9C6B-D6C7DFDC589F}" vid="{4A3C46E8-61CC-4603-A589-7422A47A8E4A}"/>
+      <thm15:themeFamily xmlns="" xmlns:thm15="http://schemas.microsoft.com/office/thememl/2012/main" name="Office Theme" id="{62F939B6-93AF-4DB8-9C6B-D6C7DFDC589F}" vid="{4A3C46E8-61CC-4603-A589-7422A47A8E4A}"/>
     </a:ext>
   </a:extLst>
 </a:theme>
@@ -12576,7 +12559,7 @@
   <a:extraClrSchemeLst/>
   <a:extLst>
     <a:ext uri="{05A4C25C-085E-4340-85A3-A5531E510DB2}">
-      <thm15:themeFamily xmlns:thm15="http://schemas.microsoft.com/office/thememl/2012/main" xmlns="" name="Office Theme" id="{62F939B6-93AF-4DB8-9C6B-D6C7DFDC589F}" vid="{4A3C46E8-61CC-4603-A589-7422A47A8E4A}"/>
+      <thm15:themeFamily xmlns="" xmlns:thm15="http://schemas.microsoft.com/office/thememl/2012/main" name="Office Theme" id="{62F939B6-93AF-4DB8-9C6B-D6C7DFDC589F}" vid="{4A3C46E8-61CC-4603-A589-7422A47A8E4A}"/>
     </a:ext>
   </a:extLst>
 </a:theme>
@@ -12837,7 +12820,7 @@
   <a:extraClrSchemeLst/>
   <a:extLst>
     <a:ext uri="{05A4C25C-085E-4340-85A3-A5531E510DB2}">
-      <thm15:themeFamily xmlns:thm15="http://schemas.microsoft.com/office/thememl/2012/main" xmlns="" name="Office Theme" id="{62F939B6-93AF-4DB8-9C6B-D6C7DFDC589F}" vid="{4A3C46E8-61CC-4603-A589-7422A47A8E4A}"/>
+      <thm15:themeFamily xmlns="" xmlns:thm15="http://schemas.microsoft.com/office/thememl/2012/main" name="Office Theme" id="{62F939B6-93AF-4DB8-9C6B-D6C7DFDC589F}" vid="{4A3C46E8-61CC-4603-A589-7422A47A8E4A}"/>
     </a:ext>
   </a:extLst>
 </a:theme>

--- a/thesis/presentations/first/Probleemstellingv2.pptx
+++ b/thesis/presentations/first/Probleemstellingv2.pptx
@@ -122,7 +122,7 @@
   </p:defaultTextStyle>
   <p:extLst>
     <p:ext uri="{EFAFB233-063F-42B5-8137-9DF3F51BA10A}">
-      <p15:sldGuideLst xmlns="" xmlns:p15="http://schemas.microsoft.com/office/powerpoint/2012/main">
+      <p15:sldGuideLst xmlns:p15="http://schemas.microsoft.com/office/powerpoint/2012/main" xmlns="">
         <p15:guide id="1" orient="horz" pos="2160" userDrawn="1">
           <p15:clr>
             <a:srgbClr val="A4A3A4"/>
@@ -221,7 +221,7 @@
           <a:p>
             <a:fld id="{D6D09D9E-0F22-44ED-B43C-3F44EA87E898}" type="datetimeFigureOut">
               <a:rPr lang="en-US" smtClean="0"/>
-              <a:t>27-Oct-17</a:t>
+              <a:t>18-Nov-17</a:t>
             </a:fld>
             <a:endParaRPr lang="en-US"/>
           </a:p>
@@ -386,7 +386,7 @@
           <a:p>
             <a:fld id="{554F67E3-005B-4A5B-A64B-4E620D6532D3}" type="datetimeFigureOut">
               <a:rPr lang="nl-NL" smtClean="0"/>
-              <a:t>27-10-2017</a:t>
+              <a:t>18-11-2017</a:t>
             </a:fld>
             <a:endParaRPr lang="nl-NL"/>
           </a:p>
@@ -900,14 +900,410 @@
               <a:defRPr/>
             </a:pPr>
             <a:r>
-              <a:rPr lang="en-US" smtClean="0"/>
-              <a:t>Omdat mijn thesis een case study is</a:t>
-            </a:r>
-            <a:r>
-              <a:rPr lang="en-US" baseline="0" smtClean="0"/>
-              <a:t> om PPL’s te evalueren en te vergelijken, is het meer naar de praktische kant gericht. Ik ben niet van plan om verschillende inferentiemethodes te vergelijken. Mijn doel is om PPL’s te vergelijken aan de hand van deze case study. De theorie over de inferentiemethodes en concepten gebruik ik als bewijsmateriaal voor de hypothese van de case study. Maar omdat dit een evaluatie is op de PPL’s en niet de inferentiemethodes kan het zijn dat de hypothese kan veranderen naar gelang de uitkomst van de evaluatie criteria.</a:t>
-            </a:r>
-            <a:endParaRPr lang="en-US" smtClean="0"/>
+              <a:rPr lang="en-US" dirty="0" err="1" smtClean="0"/>
+              <a:t>Omdat</a:t>
+            </a:r>
+            <a:r>
+              <a:rPr lang="en-US" dirty="0" smtClean="0"/>
+              <a:t> </a:t>
+            </a:r>
+            <a:r>
+              <a:rPr lang="en-US" dirty="0" err="1" smtClean="0"/>
+              <a:t>mijn</a:t>
+            </a:r>
+            <a:r>
+              <a:rPr lang="en-US" dirty="0" smtClean="0"/>
+              <a:t> thesis </a:t>
+            </a:r>
+            <a:r>
+              <a:rPr lang="en-US" dirty="0" err="1" smtClean="0"/>
+              <a:t>een</a:t>
+            </a:r>
+            <a:r>
+              <a:rPr lang="en-US" dirty="0" smtClean="0"/>
+              <a:t> case study is</a:t>
+            </a:r>
+            <a:r>
+              <a:rPr lang="en-US" baseline="0" dirty="0" smtClean="0"/>
+              <a:t> </a:t>
+            </a:r>
+            <a:r>
+              <a:rPr lang="en-US" baseline="0" dirty="0" err="1" smtClean="0"/>
+              <a:t>om</a:t>
+            </a:r>
+            <a:r>
+              <a:rPr lang="en-US" baseline="0" dirty="0" smtClean="0"/>
+              <a:t> PPL’s </a:t>
+            </a:r>
+            <a:r>
+              <a:rPr lang="en-US" baseline="0" dirty="0" err="1" smtClean="0"/>
+              <a:t>te</a:t>
+            </a:r>
+            <a:r>
+              <a:rPr lang="en-US" baseline="0" dirty="0" smtClean="0"/>
+              <a:t> </a:t>
+            </a:r>
+            <a:r>
+              <a:rPr lang="en-US" baseline="0" dirty="0" err="1" smtClean="0"/>
+              <a:t>evalueren</a:t>
+            </a:r>
+            <a:r>
+              <a:rPr lang="en-US" baseline="0" dirty="0" smtClean="0"/>
+              <a:t> en </a:t>
+            </a:r>
+            <a:r>
+              <a:rPr lang="en-US" baseline="0" dirty="0" err="1" smtClean="0"/>
+              <a:t>te</a:t>
+            </a:r>
+            <a:r>
+              <a:rPr lang="en-US" baseline="0" dirty="0" smtClean="0"/>
+              <a:t> </a:t>
+            </a:r>
+            <a:r>
+              <a:rPr lang="en-US" baseline="0" dirty="0" err="1" smtClean="0"/>
+              <a:t>vergelijken</a:t>
+            </a:r>
+            <a:r>
+              <a:rPr lang="en-US" baseline="0" dirty="0" smtClean="0"/>
+              <a:t>, is het </a:t>
+            </a:r>
+            <a:r>
+              <a:rPr lang="en-US" baseline="0" dirty="0" err="1" smtClean="0"/>
+              <a:t>meer</a:t>
+            </a:r>
+            <a:r>
+              <a:rPr lang="en-US" baseline="0" dirty="0" smtClean="0"/>
+              <a:t> </a:t>
+            </a:r>
+            <a:r>
+              <a:rPr lang="en-US" baseline="0" dirty="0" err="1" smtClean="0"/>
+              <a:t>naar</a:t>
+            </a:r>
+            <a:r>
+              <a:rPr lang="en-US" baseline="0" dirty="0" smtClean="0"/>
+              <a:t> de </a:t>
+            </a:r>
+            <a:r>
+              <a:rPr lang="en-US" baseline="0" dirty="0" err="1" smtClean="0"/>
+              <a:t>praktische</a:t>
+            </a:r>
+            <a:r>
+              <a:rPr lang="en-US" baseline="0" dirty="0" smtClean="0"/>
+              <a:t> </a:t>
+            </a:r>
+            <a:r>
+              <a:rPr lang="en-US" baseline="0" dirty="0" err="1" smtClean="0"/>
+              <a:t>kant</a:t>
+            </a:r>
+            <a:r>
+              <a:rPr lang="en-US" baseline="0" dirty="0" smtClean="0"/>
+              <a:t> </a:t>
+            </a:r>
+            <a:r>
+              <a:rPr lang="en-US" baseline="0" dirty="0" err="1" smtClean="0"/>
+              <a:t>gericht</a:t>
+            </a:r>
+            <a:r>
+              <a:rPr lang="en-US" baseline="0" dirty="0" smtClean="0"/>
+              <a:t>. </a:t>
+            </a:r>
+            <a:r>
+              <a:rPr lang="en-US" baseline="0" dirty="0" err="1" smtClean="0"/>
+              <a:t>Ik</a:t>
+            </a:r>
+            <a:r>
+              <a:rPr lang="en-US" baseline="0" dirty="0" smtClean="0"/>
+              <a:t> ben </a:t>
+            </a:r>
+            <a:r>
+              <a:rPr lang="en-US" baseline="0" dirty="0" err="1" smtClean="0"/>
+              <a:t>niet</a:t>
+            </a:r>
+            <a:r>
+              <a:rPr lang="en-US" baseline="0" dirty="0" smtClean="0"/>
+              <a:t> van plan </a:t>
+            </a:r>
+            <a:r>
+              <a:rPr lang="en-US" baseline="0" dirty="0" err="1" smtClean="0"/>
+              <a:t>om</a:t>
+            </a:r>
+            <a:r>
+              <a:rPr lang="en-US" baseline="0" dirty="0" smtClean="0"/>
+              <a:t> </a:t>
+            </a:r>
+            <a:r>
+              <a:rPr lang="en-US" baseline="0" dirty="0" err="1" smtClean="0"/>
+              <a:t>verschillende</a:t>
+            </a:r>
+            <a:r>
+              <a:rPr lang="en-US" baseline="0" dirty="0" smtClean="0"/>
+              <a:t> </a:t>
+            </a:r>
+            <a:r>
+              <a:rPr lang="en-US" baseline="0" dirty="0" err="1" smtClean="0"/>
+              <a:t>inferentiemethodes</a:t>
+            </a:r>
+            <a:r>
+              <a:rPr lang="en-US" baseline="0" dirty="0" smtClean="0"/>
+              <a:t> </a:t>
+            </a:r>
+            <a:r>
+              <a:rPr lang="en-US" baseline="0" dirty="0" err="1" smtClean="0"/>
+              <a:t>te</a:t>
+            </a:r>
+            <a:r>
+              <a:rPr lang="en-US" baseline="0" dirty="0" smtClean="0"/>
+              <a:t> </a:t>
+            </a:r>
+            <a:r>
+              <a:rPr lang="en-US" baseline="0" dirty="0" err="1" smtClean="0"/>
+              <a:t>vergelijken</a:t>
+            </a:r>
+            <a:r>
+              <a:rPr lang="en-US" baseline="0" dirty="0" smtClean="0"/>
+              <a:t>. </a:t>
+            </a:r>
+            <a:r>
+              <a:rPr lang="en-US" baseline="0" dirty="0" err="1" smtClean="0"/>
+              <a:t>Mijn</a:t>
+            </a:r>
+            <a:r>
+              <a:rPr lang="en-US" baseline="0" dirty="0" smtClean="0"/>
+              <a:t> </a:t>
+            </a:r>
+            <a:r>
+              <a:rPr lang="en-US" baseline="0" dirty="0" err="1" smtClean="0"/>
+              <a:t>doel</a:t>
+            </a:r>
+            <a:r>
+              <a:rPr lang="en-US" baseline="0" dirty="0" smtClean="0"/>
+              <a:t> is </a:t>
+            </a:r>
+            <a:r>
+              <a:rPr lang="en-US" baseline="0" dirty="0" err="1" smtClean="0"/>
+              <a:t>om</a:t>
+            </a:r>
+            <a:r>
+              <a:rPr lang="en-US" baseline="0" dirty="0" smtClean="0"/>
+              <a:t> PPL’s </a:t>
+            </a:r>
+            <a:r>
+              <a:rPr lang="en-US" baseline="0" dirty="0" err="1" smtClean="0"/>
+              <a:t>te</a:t>
+            </a:r>
+            <a:r>
+              <a:rPr lang="en-US" baseline="0" dirty="0" smtClean="0"/>
+              <a:t> </a:t>
+            </a:r>
+            <a:r>
+              <a:rPr lang="en-US" baseline="0" dirty="0" err="1" smtClean="0"/>
+              <a:t>vergelijken</a:t>
+            </a:r>
+            <a:r>
+              <a:rPr lang="en-US" baseline="0" dirty="0" smtClean="0"/>
+              <a:t> aan de hand van </a:t>
+            </a:r>
+            <a:r>
+              <a:rPr lang="en-US" baseline="0" dirty="0" err="1" smtClean="0"/>
+              <a:t>deze</a:t>
+            </a:r>
+            <a:r>
+              <a:rPr lang="en-US" baseline="0" dirty="0" smtClean="0"/>
+              <a:t> case study. De </a:t>
+            </a:r>
+            <a:r>
+              <a:rPr lang="en-US" baseline="0" dirty="0" err="1" smtClean="0"/>
+              <a:t>theorie</a:t>
+            </a:r>
+            <a:r>
+              <a:rPr lang="en-US" baseline="0" dirty="0" smtClean="0"/>
+              <a:t> over de </a:t>
+            </a:r>
+            <a:r>
+              <a:rPr lang="en-US" baseline="0" dirty="0" err="1" smtClean="0"/>
+              <a:t>inferentiemethodes</a:t>
+            </a:r>
+            <a:r>
+              <a:rPr lang="en-US" baseline="0" dirty="0" smtClean="0"/>
+              <a:t> en </a:t>
+            </a:r>
+            <a:r>
+              <a:rPr lang="en-US" baseline="0" dirty="0" err="1" smtClean="0"/>
+              <a:t>concepten</a:t>
+            </a:r>
+            <a:r>
+              <a:rPr lang="en-US" baseline="0" dirty="0" smtClean="0"/>
+              <a:t> </a:t>
+            </a:r>
+            <a:r>
+              <a:rPr lang="en-US" baseline="0" dirty="0" err="1" smtClean="0"/>
+              <a:t>gebruik</a:t>
+            </a:r>
+            <a:r>
+              <a:rPr lang="en-US" baseline="0" dirty="0" smtClean="0"/>
+              <a:t> </a:t>
+            </a:r>
+            <a:r>
+              <a:rPr lang="en-US" baseline="0" dirty="0" err="1" smtClean="0"/>
+              <a:t>ik</a:t>
+            </a:r>
+            <a:r>
+              <a:rPr lang="en-US" baseline="0" dirty="0" smtClean="0"/>
+              <a:t> als </a:t>
+            </a:r>
+            <a:r>
+              <a:rPr lang="en-US" baseline="0" dirty="0" err="1" smtClean="0"/>
+              <a:t>bewijsmateriaal</a:t>
+            </a:r>
+            <a:r>
+              <a:rPr lang="en-US" baseline="0" dirty="0" smtClean="0"/>
+              <a:t> </a:t>
+            </a:r>
+            <a:r>
+              <a:rPr lang="en-US" baseline="0" dirty="0" err="1" smtClean="0"/>
+              <a:t>voor</a:t>
+            </a:r>
+            <a:r>
+              <a:rPr lang="en-US" baseline="0" dirty="0" smtClean="0"/>
+              <a:t> de </a:t>
+            </a:r>
+            <a:r>
+              <a:rPr lang="en-US" baseline="0" dirty="0" err="1" smtClean="0"/>
+              <a:t>hypothese</a:t>
+            </a:r>
+            <a:r>
+              <a:rPr lang="en-US" baseline="0" dirty="0" smtClean="0"/>
+              <a:t> van de case study. Maar </a:t>
+            </a:r>
+            <a:r>
+              <a:rPr lang="en-US" baseline="0" dirty="0" err="1" smtClean="0"/>
+              <a:t>omdat</a:t>
+            </a:r>
+            <a:r>
+              <a:rPr lang="en-US" baseline="0" dirty="0" smtClean="0"/>
+              <a:t> </a:t>
+            </a:r>
+            <a:r>
+              <a:rPr lang="en-US" baseline="0" dirty="0" err="1" smtClean="0"/>
+              <a:t>dit</a:t>
+            </a:r>
+            <a:r>
+              <a:rPr lang="en-US" baseline="0" dirty="0" smtClean="0"/>
+              <a:t> </a:t>
+            </a:r>
+            <a:r>
+              <a:rPr lang="en-US" baseline="0" dirty="0" err="1" smtClean="0"/>
+              <a:t>een</a:t>
+            </a:r>
+            <a:r>
+              <a:rPr lang="en-US" baseline="0" dirty="0" smtClean="0"/>
+              <a:t> </a:t>
+            </a:r>
+            <a:r>
+              <a:rPr lang="en-US" baseline="0" dirty="0" err="1" smtClean="0"/>
+              <a:t>evaluatie</a:t>
+            </a:r>
+            <a:r>
+              <a:rPr lang="en-US" baseline="0" dirty="0" smtClean="0"/>
+              <a:t> is op de PPL’s en </a:t>
+            </a:r>
+            <a:r>
+              <a:rPr lang="en-US" baseline="0" dirty="0" err="1" smtClean="0"/>
+              <a:t>niet</a:t>
+            </a:r>
+            <a:r>
+              <a:rPr lang="en-US" baseline="0" dirty="0" smtClean="0"/>
+              <a:t> de </a:t>
+            </a:r>
+            <a:r>
+              <a:rPr lang="en-US" baseline="0" dirty="0" err="1" smtClean="0"/>
+              <a:t>inferentiemethodes</a:t>
+            </a:r>
+            <a:r>
+              <a:rPr lang="en-US" baseline="0" dirty="0" smtClean="0"/>
+              <a:t> </a:t>
+            </a:r>
+            <a:r>
+              <a:rPr lang="en-US" baseline="0" dirty="0" err="1" smtClean="0"/>
+              <a:t>kan</a:t>
+            </a:r>
+            <a:r>
+              <a:rPr lang="en-US" baseline="0" dirty="0" smtClean="0"/>
+              <a:t> het </a:t>
+            </a:r>
+            <a:r>
+              <a:rPr lang="en-US" baseline="0" dirty="0" err="1" smtClean="0"/>
+              <a:t>zijn</a:t>
+            </a:r>
+            <a:r>
+              <a:rPr lang="en-US" baseline="0" dirty="0" smtClean="0"/>
+              <a:t> </a:t>
+            </a:r>
+            <a:r>
+              <a:rPr lang="en-US" baseline="0" dirty="0" err="1" smtClean="0"/>
+              <a:t>dat</a:t>
+            </a:r>
+            <a:r>
+              <a:rPr lang="en-US" baseline="0" dirty="0" smtClean="0"/>
+              <a:t> de </a:t>
+            </a:r>
+            <a:r>
+              <a:rPr lang="en-US" baseline="0" dirty="0" err="1" smtClean="0"/>
+              <a:t>hypothese</a:t>
+            </a:r>
+            <a:r>
+              <a:rPr lang="en-US" baseline="0" dirty="0" smtClean="0"/>
+              <a:t> </a:t>
+            </a:r>
+            <a:r>
+              <a:rPr lang="en-US" baseline="0" dirty="0" err="1" smtClean="0"/>
+              <a:t>kan</a:t>
+            </a:r>
+            <a:r>
+              <a:rPr lang="en-US" baseline="0" dirty="0" smtClean="0"/>
+              <a:t> </a:t>
+            </a:r>
+            <a:r>
+              <a:rPr lang="en-US" baseline="0" dirty="0" err="1" smtClean="0"/>
+              <a:t>veranderen</a:t>
+            </a:r>
+            <a:r>
+              <a:rPr lang="en-US" baseline="0" dirty="0" smtClean="0"/>
+              <a:t> </a:t>
+            </a:r>
+            <a:r>
+              <a:rPr lang="en-US" baseline="0" dirty="0" err="1" smtClean="0"/>
+              <a:t>naar</a:t>
+            </a:r>
+            <a:r>
+              <a:rPr lang="en-US" baseline="0" dirty="0" smtClean="0"/>
+              <a:t> </a:t>
+            </a:r>
+            <a:r>
+              <a:rPr lang="en-US" baseline="0" dirty="0" err="1" smtClean="0"/>
+              <a:t>gelang</a:t>
+            </a:r>
+            <a:r>
+              <a:rPr lang="en-US" baseline="0" dirty="0" smtClean="0"/>
+              <a:t> de </a:t>
+            </a:r>
+            <a:r>
+              <a:rPr lang="en-US" baseline="0" dirty="0" err="1" smtClean="0"/>
+              <a:t>uitkomst</a:t>
+            </a:r>
+            <a:r>
+              <a:rPr lang="en-US" baseline="0" dirty="0" smtClean="0"/>
+              <a:t> van de </a:t>
+            </a:r>
+            <a:r>
+              <a:rPr lang="en-US" baseline="0" dirty="0" err="1" smtClean="0"/>
+              <a:t>evaluatie</a:t>
+            </a:r>
+            <a:r>
+              <a:rPr lang="en-US" baseline="0" dirty="0" smtClean="0"/>
+              <a:t> criteria.</a:t>
+            </a:r>
+            <a:endParaRPr lang="en-US" dirty="0" smtClean="0"/>
           </a:p>
           <a:p>
             <a:endParaRPr lang="en-US" dirty="0"/>
@@ -1054,23 +1450,7 @@
             </a:r>
             <a:r>
               <a:rPr lang="en-US" baseline="0" dirty="0" smtClean="0"/>
-              <a:t> </a:t>
-            </a:r>
-            <a:r>
-              <a:rPr lang="en-US" baseline="0" dirty="0" err="1" smtClean="0"/>
-              <a:t>wordt</a:t>
-            </a:r>
-            <a:r>
-              <a:rPr lang="en-US" baseline="0" dirty="0" smtClean="0"/>
-              <a:t> </a:t>
-            </a:r>
-            <a:r>
-              <a:rPr lang="en-US" baseline="0" dirty="0" err="1" smtClean="0"/>
-              <a:t>er</a:t>
-            </a:r>
-            <a:r>
-              <a:rPr lang="en-US" baseline="0" dirty="0" smtClean="0"/>
-              <a:t> </a:t>
+              <a:t> wordt er </a:t>
             </a:r>
             <a:r>
               <a:rPr lang="en-US" baseline="0" dirty="0" err="1" smtClean="0"/>
@@ -1360,15 +1740,7 @@
             </a:r>
             <a:r>
               <a:rPr lang="en-US" baseline="0" dirty="0" smtClean="0"/>
-              <a:t> </a:t>
-            </a:r>
-            <a:r>
-              <a:rPr lang="en-US" baseline="0" dirty="0" err="1" smtClean="0"/>
-              <a:t>aan</a:t>
-            </a:r>
-            <a:r>
-              <a:rPr lang="en-US" baseline="0" dirty="0" smtClean="0"/>
-              <a:t> </a:t>
+              <a:t> aan </a:t>
             </a:r>
             <a:r>
               <a:rPr lang="en-US" baseline="0" dirty="0" err="1" smtClean="0"/>
@@ -1667,15 +2039,7 @@
             </a:r>
             <a:r>
               <a:rPr lang="en-US" baseline="0" dirty="0" smtClean="0"/>
-              <a:t> </a:t>
-            </a:r>
-            <a:r>
-              <a:rPr lang="en-US" baseline="0" dirty="0" err="1" smtClean="0"/>
-              <a:t>als</a:t>
-            </a:r>
-            <a:r>
-              <a:rPr lang="en-US" baseline="0" dirty="0" smtClean="0"/>
-              <a:t> in de tools en features </a:t>
+              <a:t> als in de tools en features </a:t>
             </a:r>
             <a:r>
               <a:rPr lang="en-US" baseline="0" dirty="0" err="1" smtClean="0"/>
@@ -2382,15 +2746,7 @@
             </a:r>
             <a:r>
               <a:rPr lang="en-US" baseline="0" dirty="0" smtClean="0"/>
-              <a:t> tools </a:t>
-            </a:r>
-            <a:r>
-              <a:rPr lang="en-US" baseline="0" dirty="0" err="1" smtClean="0"/>
-              <a:t>er</a:t>
-            </a:r>
-            <a:r>
-              <a:rPr lang="en-US" baseline="0" dirty="0" smtClean="0"/>
-              <a:t> </a:t>
+              <a:t> tools er </a:t>
             </a:r>
             <a:r>
               <a:rPr lang="en-US" baseline="0" dirty="0" err="1" smtClean="0"/>
@@ -2742,23 +3098,7 @@
             </a:r>
             <a:r>
               <a:rPr lang="en-US" baseline="0" dirty="0" smtClean="0"/>
-              <a:t>. </a:t>
-            </a:r>
-            <a:r>
-              <a:rPr lang="en-US" baseline="0" dirty="0" err="1" smtClean="0"/>
-              <a:t>Als</a:t>
-            </a:r>
-            <a:r>
-              <a:rPr lang="en-US" baseline="0" dirty="0" smtClean="0"/>
-              <a:t> </a:t>
-            </a:r>
-            <a:r>
-              <a:rPr lang="en-US" baseline="0" dirty="0" err="1" smtClean="0"/>
-              <a:t>er</a:t>
-            </a:r>
-            <a:r>
-              <a:rPr lang="en-US" baseline="0" dirty="0" smtClean="0"/>
-              <a:t> </a:t>
+              <a:t>. Als er </a:t>
             </a:r>
             <a:r>
               <a:rPr lang="en-US" baseline="0" dirty="0" err="1" smtClean="0"/>
@@ -3296,15 +3636,7 @@
             </a:r>
             <a:r>
               <a:rPr lang="en-US" dirty="0" smtClean="0"/>
-              <a:t> </a:t>
-            </a:r>
-            <a:r>
-              <a:rPr lang="en-US" dirty="0" err="1" smtClean="0"/>
-              <a:t>er</a:t>
-            </a:r>
-            <a:r>
-              <a:rPr lang="en-US" dirty="0" smtClean="0"/>
-              <a:t> 2 </a:t>
+              <a:t> er 2 </a:t>
             </a:r>
             <a:r>
               <a:rPr lang="en-US" dirty="0" err="1" smtClean="0"/>
@@ -3336,15 +3668,7 @@
             </a:r>
             <a:r>
               <a:rPr lang="en-US" dirty="0" smtClean="0"/>
-              <a:t> </a:t>
-            </a:r>
-            <a:r>
-              <a:rPr lang="en-US" dirty="0" err="1" smtClean="0"/>
-              <a:t>er</a:t>
-            </a:r>
-            <a:r>
-              <a:rPr lang="en-US" dirty="0" smtClean="0"/>
-              <a:t> op </a:t>
+              <a:t> er op </a:t>
             </a:r>
             <a:r>
               <a:rPr lang="en-US" dirty="0" err="1" smtClean="0"/>
@@ -3360,23 +3684,7 @@
             </a:r>
             <a:r>
               <a:rPr lang="en-US" dirty="0" smtClean="0"/>
-              <a:t> </a:t>
-            </a:r>
-            <a:r>
-              <a:rPr lang="en-US" dirty="0" err="1" smtClean="0"/>
-              <a:t>wordt</a:t>
-            </a:r>
-            <a:r>
-              <a:rPr lang="en-US" dirty="0" smtClean="0"/>
-              <a:t> </a:t>
-            </a:r>
-            <a:r>
-              <a:rPr lang="en-US" dirty="0" err="1" smtClean="0"/>
-              <a:t>gedrukt</a:t>
-            </a:r>
-            <a:r>
-              <a:rPr lang="en-US" dirty="0" smtClean="0"/>
-              <a:t> is </a:t>
+              <a:t> wordt gedrukt is </a:t>
             </a:r>
             <a:r>
               <a:rPr lang="en-US" dirty="0" err="1" smtClean="0"/>
@@ -3424,23 +3732,7 @@
             </a:r>
             <a:r>
               <a:rPr lang="en-US" baseline="0" dirty="0" smtClean="0"/>
-              <a:t>. Maar </a:t>
-            </a:r>
-            <a:r>
-              <a:rPr lang="en-US" baseline="0" dirty="0" err="1" smtClean="0"/>
-              <a:t>als</a:t>
-            </a:r>
-            <a:r>
-              <a:rPr lang="en-US" baseline="0" dirty="0" smtClean="0"/>
-              <a:t> </a:t>
-            </a:r>
-            <a:r>
-              <a:rPr lang="en-US" baseline="0" dirty="0" err="1" smtClean="0"/>
-              <a:t>er</a:t>
-            </a:r>
-            <a:r>
-              <a:rPr lang="en-US" baseline="0" dirty="0" smtClean="0"/>
-              <a:t> </a:t>
+              <a:t>. Maar als er </a:t>
             </a:r>
             <a:r>
               <a:rPr lang="en-US" baseline="0" dirty="0" err="1" smtClean="0"/>
@@ -3645,15 +3937,7 @@
             </a:r>
             <a:r>
               <a:rPr lang="en-US" baseline="0" dirty="0" smtClean="0"/>
-              <a:t> </a:t>
-            </a:r>
-            <a:r>
-              <a:rPr lang="en-US" baseline="0" dirty="0" err="1" smtClean="0"/>
-              <a:t>distributie</a:t>
-            </a:r>
-            <a:r>
-              <a:rPr lang="en-US" baseline="0" dirty="0" smtClean="0"/>
-              <a:t> is het </a:t>
+              <a:t> distributie is het </a:t>
             </a:r>
             <a:r>
               <a:rPr lang="en-US" baseline="0" dirty="0" err="1" smtClean="0"/>
@@ -3693,15 +3977,7 @@
             </a:r>
             <a:r>
               <a:rPr lang="en-US" baseline="0" dirty="0" smtClean="0"/>
-              <a:t> </a:t>
-            </a:r>
-            <a:r>
-              <a:rPr lang="en-US" baseline="0" dirty="0" err="1" smtClean="0"/>
-              <a:t>er</a:t>
-            </a:r>
-            <a:r>
-              <a:rPr lang="en-US" baseline="0" dirty="0" smtClean="0"/>
-              <a:t> op </a:t>
+              <a:t> er op </a:t>
             </a:r>
             <a:r>
               <a:rPr lang="en-US" baseline="0" dirty="0" err="1" smtClean="0"/>
@@ -3717,23 +3993,7 @@
             </a:r>
             <a:r>
               <a:rPr lang="en-US" baseline="0" dirty="0" smtClean="0"/>
-              <a:t> </a:t>
-            </a:r>
-            <a:r>
-              <a:rPr lang="en-US" baseline="0" dirty="0" err="1" smtClean="0"/>
-              <a:t>wordt</a:t>
-            </a:r>
-            <a:r>
-              <a:rPr lang="en-US" baseline="0" dirty="0" smtClean="0"/>
-              <a:t> </a:t>
-            </a:r>
-            <a:r>
-              <a:rPr lang="en-US" baseline="0" dirty="0" err="1" smtClean="0"/>
-              <a:t>gedrukt</a:t>
-            </a:r>
-            <a:r>
-              <a:rPr lang="en-US" baseline="0" dirty="0" smtClean="0"/>
-              <a:t>. </a:t>
+              <a:t> wordt gedrukt. </a:t>
             </a:r>
             <a:r>
               <a:rPr lang="en-US" baseline="0" dirty="0" err="1" smtClean="0"/>
@@ -3741,15 +4001,7 @@
             </a:r>
             <a:r>
               <a:rPr lang="en-US" baseline="0" dirty="0" smtClean="0"/>
-              <a:t> </a:t>
-            </a:r>
-            <a:r>
-              <a:rPr lang="en-US" baseline="0" dirty="0" err="1" smtClean="0"/>
-              <a:t>distributie</a:t>
-            </a:r>
-            <a:r>
-              <a:rPr lang="en-US" baseline="0" dirty="0" smtClean="0"/>
-              <a:t> is </a:t>
+              <a:t> distributie is </a:t>
             </a:r>
             <a:r>
               <a:rPr lang="en-US" baseline="0" dirty="0" err="1" smtClean="0"/>
@@ -3765,15 +4017,7 @@
             </a:r>
             <a:r>
               <a:rPr lang="en-US" baseline="0" dirty="0" smtClean="0"/>
-              <a:t> </a:t>
-            </a:r>
-            <a:r>
-              <a:rPr lang="en-US" baseline="0" dirty="0" err="1" smtClean="0"/>
-              <a:t>distributie</a:t>
-            </a:r>
-            <a:r>
-              <a:rPr lang="en-US" baseline="0" dirty="0" smtClean="0"/>
-              <a:t> </a:t>
+              <a:t> distributie </a:t>
             </a:r>
             <a:r>
               <a:rPr lang="en-US" baseline="0" dirty="0" err="1" smtClean="0"/>
@@ -3797,55 +4041,7 @@
             </a:r>
             <a:r>
               <a:rPr lang="en-US" baseline="0" dirty="0" smtClean="0"/>
-              <a:t> </a:t>
-            </a:r>
-            <a:r>
-              <a:rPr lang="en-US" baseline="0" dirty="0" err="1" smtClean="0"/>
-              <a:t>kleur</a:t>
-            </a:r>
-            <a:r>
-              <a:rPr lang="en-US" baseline="0" dirty="0" smtClean="0"/>
-              <a:t> </a:t>
-            </a:r>
-            <a:r>
-              <a:rPr lang="en-US" baseline="0" dirty="0" err="1" smtClean="0"/>
-              <a:t>er</a:t>
-            </a:r>
-            <a:r>
-              <a:rPr lang="en-US" baseline="0" dirty="0" smtClean="0"/>
-              <a:t> </a:t>
-            </a:r>
-            <a:r>
-              <a:rPr lang="en-US" baseline="0" dirty="0" err="1" smtClean="0"/>
-              <a:t>verandert</a:t>
-            </a:r>
-            <a:r>
-              <a:rPr lang="en-US" baseline="0" dirty="0" smtClean="0"/>
-              <a:t> </a:t>
-            </a:r>
-            <a:r>
-              <a:rPr lang="en-US" baseline="0" dirty="0" err="1" smtClean="0"/>
-              <a:t>wordt</a:t>
-            </a:r>
-            <a:r>
-              <a:rPr lang="en-US" baseline="0" dirty="0" smtClean="0"/>
-              <a:t> </a:t>
-            </a:r>
-            <a:r>
-              <a:rPr lang="en-US" baseline="0" dirty="0" err="1" smtClean="0"/>
-              <a:t>als</a:t>
-            </a:r>
-            <a:r>
-              <a:rPr lang="en-US" baseline="0" dirty="0" smtClean="0"/>
-              <a:t> </a:t>
-            </a:r>
-            <a:r>
-              <a:rPr lang="en-US" baseline="0" dirty="0" err="1" smtClean="0"/>
-              <a:t>er</a:t>
-            </a:r>
-            <a:r>
-              <a:rPr lang="en-US" baseline="0" dirty="0" smtClean="0"/>
-              <a:t> op </a:t>
+              <a:t> kleur er verandert wordt als er op </a:t>
             </a:r>
             <a:r>
               <a:rPr lang="en-US" baseline="0" dirty="0" err="1" smtClean="0"/>
@@ -3861,15 +4057,7 @@
             </a:r>
             <a:r>
               <a:rPr lang="en-US" baseline="0" dirty="0" smtClean="0"/>
-              <a:t> </a:t>
-            </a:r>
-            <a:r>
-              <a:rPr lang="en-US" baseline="0" dirty="0" err="1" smtClean="0"/>
-              <a:t>gedrukt</a:t>
-            </a:r>
-            <a:r>
-              <a:rPr lang="en-US" baseline="0" dirty="0" smtClean="0"/>
-              <a:t> is.</a:t>
+              <a:t> gedrukt is.</a:t>
             </a:r>
           </a:p>
         </p:txBody>
@@ -4245,7 +4433,7 @@
   </p:clrMapOvr>
   <p:extLst mod="1">
     <p:ext uri="{DCECCB84-F9BA-43D5-87BE-67443E8EF086}">
-      <p15:sldGuideLst xmlns="" xmlns:p15="http://schemas.microsoft.com/office/powerpoint/2012/main">
+      <p15:sldGuideLst xmlns:p15="http://schemas.microsoft.com/office/powerpoint/2012/main" xmlns="">
         <p15:guide id="1" orient="horz" pos="3929" userDrawn="1">
           <p15:clr>
             <a:srgbClr val="FBAE40"/>
@@ -4556,7 +4744,7 @@
   </p:clrMapOvr>
   <p:extLst mod="1">
     <p:ext uri="{DCECCB84-F9BA-43D5-87BE-67443E8EF086}">
-      <p15:sldGuideLst xmlns="" xmlns:p15="http://schemas.microsoft.com/office/powerpoint/2012/main">
+      <p15:sldGuideLst xmlns:p15="http://schemas.microsoft.com/office/powerpoint/2012/main" xmlns="">
         <p15:guide id="1" orient="horz" pos="3929">
           <p15:clr>
             <a:srgbClr val="FBAE40"/>
@@ -4844,7 +5032,7 @@
           <a:p>
             <a:fld id="{BA252000-72D1-4588-81D0-A21B268C4F60}" type="datetime1">
               <a:rPr lang="nl-BE" smtClean="0"/>
-              <a:t>27/10/2017</a:t>
+              <a:t>18/11/2017</a:t>
             </a:fld>
             <a:endParaRPr lang="nl-NL" dirty="0"/>
           </a:p>
@@ -4909,7 +5097,7 @@
   </p:clrMapOvr>
   <p:extLst mod="1">
     <p:ext uri="{DCECCB84-F9BA-43D5-87BE-67443E8EF086}">
-      <p15:sldGuideLst xmlns="" xmlns:p15="http://schemas.microsoft.com/office/powerpoint/2012/main">
+      <p15:sldGuideLst xmlns:p15="http://schemas.microsoft.com/office/powerpoint/2012/main" xmlns="">
         <p15:guide id="1" orient="horz" pos="2160">
           <p15:clr>
             <a:srgbClr val="FBAE40"/>
@@ -5151,7 +5339,7 @@
           <a:p>
             <a:fld id="{51B5EE41-54AE-48CB-8D18-4748453B9BC8}" type="datetime1">
               <a:rPr lang="nl-BE" smtClean="0"/>
-              <a:t>27/10/2017</a:t>
+              <a:t>18/11/2017</a:t>
             </a:fld>
             <a:endParaRPr lang="nl-NL" dirty="0"/>
           </a:p>
@@ -5216,7 +5404,7 @@
   </p:clrMapOvr>
   <p:extLst mod="1">
     <p:ext uri="{DCECCB84-F9BA-43D5-87BE-67443E8EF086}">
-      <p15:sldGuideLst xmlns="" xmlns:p15="http://schemas.microsoft.com/office/powerpoint/2012/main">
+      <p15:sldGuideLst xmlns:p15="http://schemas.microsoft.com/office/powerpoint/2012/main" xmlns="">
         <p15:guide id="1" orient="horz" pos="2160">
           <p15:clr>
             <a:srgbClr val="FBAE40"/>
@@ -5267,7 +5455,7 @@
           <a:p>
             <a:fld id="{325CFB26-3E0B-43F3-B1DB-8FF4C39B3D0D}" type="datetime1">
               <a:rPr lang="nl-BE" smtClean="0"/>
-              <a:t>27/10/2017</a:t>
+              <a:t>18/11/2017</a:t>
             </a:fld>
             <a:endParaRPr lang="nl-NL" dirty="0"/>
           </a:p>
@@ -5657,7 +5845,7 @@
           <a:p>
             <a:fld id="{DC4FC34B-922A-43D1-878B-5EF44FE511A8}" type="datetime1">
               <a:rPr lang="nl-BE" smtClean="0"/>
-              <a:t>27/10/2017</a:t>
+              <a:t>18/11/2017</a:t>
             </a:fld>
             <a:endParaRPr lang="nl-NL" dirty="0"/>
           </a:p>
@@ -5776,7 +5964,7 @@
   </p:clrMapOvr>
   <p:extLst mod="1">
     <p:ext uri="{DCECCB84-F9BA-43D5-87BE-67443E8EF086}">
-      <p15:sldGuideLst xmlns="" xmlns:p15="http://schemas.microsoft.com/office/powerpoint/2012/main">
+      <p15:sldGuideLst xmlns:p15="http://schemas.microsoft.com/office/powerpoint/2012/main" xmlns="">
         <p15:guide id="1" orient="horz" pos="2160" userDrawn="1">
           <p15:clr>
             <a:srgbClr val="FBAE40"/>
@@ -5988,7 +6176,7 @@
           <a:p>
             <a:fld id="{FD918A91-1924-4471-9808-ACB04D0ED8EA}" type="datetime1">
               <a:rPr lang="nl-BE" smtClean="0"/>
-              <a:t>27/10/2017</a:t>
+              <a:t>18/11/2017</a:t>
             </a:fld>
             <a:endParaRPr lang="nl-NL" dirty="0"/>
           </a:p>
@@ -6107,7 +6295,7 @@
   </p:clrMapOvr>
   <p:extLst mod="1">
     <p:ext uri="{DCECCB84-F9BA-43D5-87BE-67443E8EF086}">
-      <p15:sldGuideLst xmlns="" xmlns:p15="http://schemas.microsoft.com/office/powerpoint/2012/main">
+      <p15:sldGuideLst xmlns:p15="http://schemas.microsoft.com/office/powerpoint/2012/main" xmlns="">
         <p15:guide id="1" orient="horz" pos="2160" userDrawn="1">
           <p15:clr>
             <a:srgbClr val="FBAE40"/>
@@ -6278,7 +6466,7 @@
           <a:p>
             <a:fld id="{EA5FBAB9-5FA3-46D6-A3EF-8850D13E3E94}" type="datetime1">
               <a:rPr lang="nl-BE" smtClean="0"/>
-              <a:t>27/10/2017</a:t>
+              <a:t>18/11/2017</a:t>
             </a:fld>
             <a:endParaRPr lang="nl-NL" dirty="0"/>
           </a:p>
@@ -6657,7 +6845,7 @@
           <a:p>
             <a:fld id="{D02784A5-45C8-4246-ADE0-8842E3C66E5D}" type="datetime1">
               <a:rPr lang="nl-BE" smtClean="0"/>
-              <a:t>27/10/2017</a:t>
+              <a:t>18/11/2017</a:t>
             </a:fld>
             <a:endParaRPr lang="nl-NL" dirty="0"/>
           </a:p>
@@ -6780,7 +6968,7 @@
           <a:p>
             <a:fld id="{C477E6CE-7017-4F77-9645-5F8638D9B9E2}" type="datetime1">
               <a:rPr lang="nl-BE" smtClean="0"/>
-              <a:t>27/10/2017</a:t>
+              <a:t>18/11/2017</a:t>
             </a:fld>
             <a:endParaRPr lang="nl-NL" dirty="0"/>
           </a:p>
@@ -6903,7 +7091,7 @@
           <a:p>
             <a:fld id="{56055E81-6827-4C1D-AD12-F50C5BE907ED}" type="datetime1">
               <a:rPr lang="nl-BE" smtClean="0"/>
-              <a:t>27/10/2017</a:t>
+              <a:t>18/11/2017</a:t>
             </a:fld>
             <a:endParaRPr lang="nl-NL" dirty="0"/>
           </a:p>
@@ -7052,7 +7240,7 @@
           <a:p>
             <a:fld id="{F7042BA5-0515-4B7F-B8A4-B74FD521147B}" type="datetime1">
               <a:rPr lang="nl-BE" smtClean="0"/>
-              <a:t>27/10/2017</a:t>
+              <a:t>18/11/2017</a:t>
             </a:fld>
             <a:endParaRPr lang="nl-NL" dirty="0"/>
           </a:p>
@@ -7220,7 +7408,7 @@
           <a:p>
             <a:fld id="{09EF3F9E-B585-4D67-B28C-5D7ABCECB608}" type="datetime1">
               <a:rPr lang="nl-BE" smtClean="0"/>
-              <a:t>27/10/2017</a:t>
+              <a:t>18/11/2017</a:t>
             </a:fld>
             <a:endParaRPr lang="nl-NL" dirty="0"/>
           </a:p>
@@ -7734,7 +7922,7 @@
   </p:txStyles>
   <p:extLst mod="1">
     <p:ext uri="{27BBF7A9-308A-43DC-89C8-2F10F3537804}">
-      <p15:sldGuideLst xmlns="" xmlns:p15="http://schemas.microsoft.com/office/powerpoint/2012/main">
+      <p15:sldGuideLst xmlns:p15="http://schemas.microsoft.com/office/powerpoint/2012/main" xmlns="">
         <p15:guide id="1" orient="horz" pos="3816" userDrawn="1">
           <p15:clr>
             <a:srgbClr val="F26B43"/>
@@ -7858,7 +8046,7 @@
           <a:p>
             <a:fld id="{15BE6352-CF92-4CB8-B2C0-9F716CAEF608}" type="datetime1">
               <a:rPr lang="nl-BE" smtClean="0"/>
-              <a:t>27/10/2017</a:t>
+              <a:t>18/11/2017</a:t>
             </a:fld>
             <a:endParaRPr lang="nl-NL" dirty="0"/>
           </a:p>
@@ -8366,7 +8554,7 @@
   </p:txStyles>
   <p:extLst mod="1">
     <p:ext uri="{27BBF7A9-308A-43DC-89C8-2F10F3537804}">
-      <p15:sldGuideLst xmlns="" xmlns:p15="http://schemas.microsoft.com/office/powerpoint/2012/main">
+      <p15:sldGuideLst xmlns:p15="http://schemas.microsoft.com/office/powerpoint/2012/main" xmlns="">
         <p15:guide id="1" orient="horz" pos="1026" userDrawn="1">
           <p15:clr>
             <a:srgbClr val="F26B43"/>
@@ -8739,15 +8927,7 @@
             </a:r>
             <a:r>
               <a:rPr lang="en-US" dirty="0"/>
-              <a:t> </a:t>
-            </a:r>
-            <a:r>
-              <a:rPr lang="en-US" dirty="0" err="1"/>
-              <a:t>als</a:t>
-            </a:r>
-            <a:r>
-              <a:rPr lang="en-US" dirty="0"/>
-              <a:t> </a:t>
+              <a:t> als </a:t>
             </a:r>
             <a:r>
               <a:rPr lang="en-US" dirty="0" err="1"/>
@@ -10207,48 +10387,8 @@
               <a:t>Blok </a:t>
             </a:r>
             <a:r>
-              <a:rPr lang="en-US" dirty="0" err="1"/>
-              <a:t>verandert</a:t>
-            </a:r>
-            <a:r>
               <a:rPr lang="en-US" dirty="0"/>
-              <a:t> van </a:t>
-            </a:r>
-            <a:r>
-              <a:rPr lang="en-US" dirty="0" err="1"/>
-              <a:t>kleur</a:t>
-            </a:r>
-            <a:r>
-              <a:rPr lang="en-US" dirty="0"/>
-              <a:t> </a:t>
-            </a:r>
-            <a:r>
-              <a:rPr lang="en-US" dirty="0" err="1"/>
-              <a:t>als</a:t>
-            </a:r>
-            <a:r>
-              <a:rPr lang="en-US" dirty="0"/>
-              <a:t> </a:t>
-            </a:r>
-            <a:r>
-              <a:rPr lang="en-US" dirty="0" err="1"/>
-              <a:t>er</a:t>
-            </a:r>
-            <a:r>
-              <a:rPr lang="en-US" dirty="0"/>
-              <a:t> op </a:t>
-            </a:r>
-            <a:r>
-              <a:rPr lang="en-US" dirty="0" err="1"/>
-              <a:t>gedrukt</a:t>
-            </a:r>
-            <a:r>
-              <a:rPr lang="en-US" dirty="0"/>
-              <a:t> </a:t>
-            </a:r>
-            <a:r>
-              <a:rPr lang="en-US" dirty="0" err="1"/>
-              <a:t>wordt</a:t>
+              <a:t>verandert van kleur als er op gedrukt wordt</a:t>
             </a:r>
             <a:r>
               <a:rPr lang="en-US" dirty="0" smtClean="0"/>
@@ -10257,44 +10397,8 @@
           </a:p>
           <a:p>
             <a:r>
-              <a:rPr lang="en-US" dirty="0" err="1"/>
-              <a:t>Volgende</a:t>
-            </a:r>
-            <a:r>
               <a:rPr lang="en-US" dirty="0"/>
-              <a:t> </a:t>
-            </a:r>
-            <a:r>
-              <a:rPr lang="en-US" dirty="0" err="1"/>
-              <a:t>kleur</a:t>
-            </a:r>
-            <a:r>
-              <a:rPr lang="en-US" dirty="0"/>
-              <a:t> </a:t>
-            </a:r>
-            <a:r>
-              <a:rPr lang="en-US" dirty="0" err="1"/>
-              <a:t>aan</a:t>
-            </a:r>
-            <a:r>
-              <a:rPr lang="en-US" dirty="0"/>
-              <a:t> de hand van </a:t>
-            </a:r>
-            <a:r>
-              <a:rPr lang="en-US" dirty="0" err="1"/>
-              <a:t>probabiliteits</a:t>
-            </a:r>
-            <a:r>
-              <a:rPr lang="en-US" dirty="0"/>
-              <a:t> </a:t>
-            </a:r>
-            <a:r>
-              <a:rPr lang="en-US" dirty="0" err="1"/>
-              <a:t>distributie</a:t>
-            </a:r>
-            <a:r>
-              <a:rPr lang="en-US" dirty="0"/>
-              <a:t>.</a:t>
+              <a:t>Volgende kleur aan de hand van probabiliteits distributie.</a:t>
             </a:r>
           </a:p>
           <a:p>
@@ -10318,7 +10422,7 @@
           <a:lstStyle/>
           <a:p>
             <a:r>
-              <a:rPr lang="en-US" dirty="0" err="1"/>
+              <a:rPr lang="en-US" dirty="0"/>
               <a:t>Spel</a:t>
             </a:r>
             <a:endParaRPr lang="en-US" dirty="0"/>
@@ -10561,15 +10665,13 @@
       <p:cxnSp>
         <p:nvCxnSpPr>
           <p:cNvPr id="8" name="Straight Arrow Connector 7"/>
-          <p:cNvCxnSpPr>
-            <a:endCxn id="2051" idx="0"/>
-          </p:cNvCxnSpPr>
+          <p:cNvCxnSpPr/>
           <p:nvPr/>
         </p:nvCxnSpPr>
         <p:spPr>
           <a:xfrm flipH="1">
-            <a:off x="2779419" y="4072958"/>
-            <a:ext cx="1188693" cy="603668"/>
+            <a:off x="3298341" y="4072958"/>
+            <a:ext cx="669772" cy="603668"/>
           </a:xfrm>
           <a:prstGeom prst="straightConnector1">
             <a:avLst/>
@@ -10632,15 +10734,13 @@
       <p:cxnSp>
         <p:nvCxnSpPr>
           <p:cNvPr id="12" name="Straight Arrow Connector 11"/>
-          <p:cNvCxnSpPr>
-            <a:endCxn id="2052" idx="0"/>
-          </p:cNvCxnSpPr>
+          <p:cNvCxnSpPr/>
           <p:nvPr/>
         </p:nvCxnSpPr>
         <p:spPr>
           <a:xfrm>
             <a:off x="5005955" y="4072958"/>
-            <a:ext cx="1186434" cy="603668"/>
+            <a:ext cx="667512" cy="603668"/>
           </a:xfrm>
           <a:prstGeom prst="straightConnector1">
             <a:avLst/>
@@ -10672,7 +10772,7 @@
         </p:nvSpPr>
         <p:spPr>
           <a:xfrm>
-            <a:off x="1892057" y="3983589"/>
+            <a:off x="2071581" y="4158665"/>
             <a:ext cx="1561646" cy="307777"/>
           </a:xfrm>
           <a:prstGeom prst="rect">
@@ -10687,15 +10787,11 @@
           <a:lstStyle/>
           <a:p>
             <a:r>
-              <a:rPr lang="en-US" sz="1400" i="1" dirty="0" err="1" smtClean="0"/>
-              <a:t>Kleur</a:t>
-            </a:r>
-            <a:r>
               <a:rPr lang="en-US" sz="1400" i="1" dirty="0" smtClean="0"/>
-              <a:t> = </a:t>
-            </a:r>
-            <a:r>
-              <a:rPr lang="en-US" sz="1400" i="1" dirty="0" err="1" smtClean="0"/>
+              <a:t>Kleur = </a:t>
+            </a:r>
+            <a:r>
+              <a:rPr lang="en-US" sz="1400" i="1" dirty="0" smtClean="0"/>
               <a:t>geel</a:t>
             </a:r>
             <a:r>
@@ -10736,12 +10832,8 @@
           <a:lstStyle/>
           <a:p>
             <a:r>
-              <a:rPr lang="en-US" sz="1400" i="1" dirty="0" err="1" smtClean="0"/>
-              <a:t>Kleur</a:t>
-            </a:r>
-            <a:r>
               <a:rPr lang="en-US" sz="1400" i="1" dirty="0" smtClean="0"/>
-              <a:t> = rood </a:t>
+              <a:t>Kleur = rood </a:t>
             </a:r>
             <a:r>
               <a:rPr lang="en-US" sz="1400" i="1" dirty="0"/>
@@ -10762,7 +10854,7 @@
         </p:nvSpPr>
         <p:spPr>
           <a:xfrm>
-            <a:off x="5453765" y="3983590"/>
+            <a:off x="5323251" y="4137478"/>
             <a:ext cx="1680268" cy="307777"/>
           </a:xfrm>
           <a:prstGeom prst="rect">
@@ -10777,15 +10869,11 @@
           <a:lstStyle/>
           <a:p>
             <a:r>
-              <a:rPr lang="en-US" sz="1400" i="1" dirty="0" err="1" smtClean="0"/>
-              <a:t>Kleur</a:t>
-            </a:r>
-            <a:r>
               <a:rPr lang="en-US" sz="1400" i="1" dirty="0" smtClean="0"/>
-              <a:t> = </a:t>
-            </a:r>
-            <a:r>
-              <a:rPr lang="en-US" sz="1400" i="1" dirty="0" err="1" smtClean="0"/>
+              <a:t>Kleur = </a:t>
+            </a:r>
+            <a:r>
+              <a:rPr lang="en-US" sz="1400" i="1" dirty="0" smtClean="0"/>
               <a:t>groen</a:t>
             </a:r>
             <a:r>
@@ -10918,15 +11006,11 @@
           <a:lstStyle/>
           <a:p>
             <a:r>
-              <a:rPr lang="en-US" sz="1400" i="1" dirty="0" err="1" smtClean="0"/>
-              <a:t>Kleur</a:t>
-            </a:r>
-            <a:r>
               <a:rPr lang="en-US" sz="1400" i="1" dirty="0" smtClean="0"/>
-              <a:t> = </a:t>
-            </a:r>
-            <a:r>
-              <a:rPr lang="en-US" sz="1400" i="1" dirty="0" err="1" smtClean="0"/>
+              <a:t>Kleur = </a:t>
+            </a:r>
+            <a:r>
+              <a:rPr lang="en-US" sz="1400" i="1" dirty="0" smtClean="0"/>
               <a:t>blauw</a:t>
             </a:r>
             <a:r>
@@ -10980,7 +11064,7 @@
           <a:lstStyle/>
           <a:p>
             <a:pPr algn="ctr"/>
-            <a:endParaRPr lang="en-US"/>
+            <a:endParaRPr lang="en-US" dirty="0"/>
           </a:p>
         </p:txBody>
       </p:sp>
@@ -11008,13 +11092,14 @@
           <a:p>
             <a:r>
               <a:rPr lang="en-US" dirty="0" smtClean="0"/>
-              <a:t>X=2</a:t>
-            </a:r>
+              <a:t>X=1</a:t>
+            </a:r>
+            <a:endParaRPr lang="en-US" dirty="0" smtClean="0"/>
           </a:p>
           <a:p>
             <a:r>
               <a:rPr lang="en-US" dirty="0" smtClean="0"/>
-              <a:t>Y=2</a:t>
+              <a:t>Y=1</a:t>
             </a:r>
             <a:endParaRPr lang="en-US" dirty="0"/>
           </a:p>
@@ -11043,8 +11128,12 @@
           <a:lstStyle/>
           <a:p>
             <a:r>
+              <a:rPr lang="en-US" dirty="0"/>
+              <a:t>0</a:t>
+            </a:r>
+            <a:r>
               <a:rPr lang="en-US" dirty="0" smtClean="0"/>
-              <a:t>1    2   3</a:t>
+              <a:t>    1   2</a:t>
             </a:r>
             <a:endParaRPr lang="en-US" dirty="0"/>
           </a:p>
@@ -11073,20 +11162,22 @@
           <a:lstStyle/>
           <a:p>
             <a:r>
+              <a:rPr lang="en-US" dirty="0"/>
+              <a:t>2</a:t>
+            </a:r>
+            <a:endParaRPr lang="en-US" dirty="0" smtClean="0"/>
+          </a:p>
+          <a:p>
+            <a:r>
+              <a:rPr lang="en-US" dirty="0"/>
+              <a:t>1</a:t>
+            </a:r>
+            <a:endParaRPr lang="en-US" dirty="0" smtClean="0"/>
+          </a:p>
+          <a:p>
+            <a:r>
               <a:rPr lang="en-US" dirty="0" smtClean="0"/>
-              <a:t>1</a:t>
-            </a:r>
-          </a:p>
-          <a:p>
-            <a:r>
-              <a:rPr lang="en-US" dirty="0" smtClean="0"/>
-              <a:t>2</a:t>
-            </a:r>
-          </a:p>
-          <a:p>
-            <a:r>
-              <a:rPr lang="en-US" dirty="0" smtClean="0"/>
-              <a:t>3</a:t>
+              <a:t>0</a:t>
             </a:r>
             <a:endParaRPr lang="en-US" dirty="0"/>
           </a:p>
@@ -11272,15 +11363,7 @@
             </a:r>
             <a:r>
               <a:rPr lang="en-US" dirty="0"/>
-              <a:t> </a:t>
-            </a:r>
-            <a:r>
-              <a:rPr lang="en-US" dirty="0" err="1"/>
-              <a:t>aan</a:t>
-            </a:r>
-            <a:r>
-              <a:rPr lang="en-US" dirty="0"/>
-              <a:t> de hand van </a:t>
+              <a:t> aan de hand van </a:t>
             </a:r>
             <a:r>
               <a:rPr lang="en-US" dirty="0" err="1"/>
@@ -11296,15 +11379,7 @@
             </a:r>
             <a:r>
               <a:rPr lang="en-US" dirty="0"/>
-              <a:t> </a:t>
-            </a:r>
-            <a:r>
-              <a:rPr lang="en-US" dirty="0" err="1"/>
-              <a:t>er</a:t>
-            </a:r>
-            <a:r>
-              <a:rPr lang="en-US" dirty="0"/>
-              <a:t> </a:t>
+              <a:t> er </a:t>
             </a:r>
             <a:r>
               <a:rPr lang="en-US" dirty="0" err="1" smtClean="0"/>
@@ -11899,15 +11974,7 @@
             </a:r>
             <a:r>
               <a:rPr lang="en-US" dirty="0" smtClean="0"/>
-              <a:t> </a:t>
-            </a:r>
-            <a:r>
-              <a:rPr lang="en-US" dirty="0" err="1" smtClean="0"/>
-              <a:t>er</a:t>
-            </a:r>
-            <a:r>
-              <a:rPr lang="en-US" dirty="0" smtClean="0"/>
-              <a:t> op </a:t>
+              <a:t> er op </a:t>
             </a:r>
             <a:r>
               <a:rPr lang="en-US" dirty="0" err="1" smtClean="0"/>
@@ -11923,19 +11990,7 @@
             </a:r>
             <a:r>
               <a:rPr lang="en-US" dirty="0" smtClean="0"/>
-              <a:t> </a:t>
-            </a:r>
-            <a:r>
-              <a:rPr lang="en-US" dirty="0" err="1" smtClean="0"/>
-              <a:t>wordt</a:t>
-            </a:r>
-            <a:r>
-              <a:rPr lang="en-US" dirty="0" smtClean="0"/>
-              <a:t> </a:t>
-            </a:r>
-            <a:r>
-              <a:rPr lang="en-US" dirty="0" err="1" smtClean="0"/>
-              <a:t>gedrukt</a:t>
+              <a:t> wordt gedrukt</a:t>
             </a:r>
             <a:endParaRPr lang="en-US" dirty="0"/>
           </a:p>
@@ -11981,15 +12036,7 @@
             </a:r>
             <a:r>
               <a:rPr lang="en-US" dirty="0" smtClean="0"/>
-              <a:t> </a:t>
-            </a:r>
-            <a:r>
-              <a:rPr lang="en-US" dirty="0" err="1" smtClean="0"/>
-              <a:t>er</a:t>
-            </a:r>
-            <a:r>
-              <a:rPr lang="en-US" dirty="0" smtClean="0"/>
-              <a:t> op </a:t>
+              <a:t> er op </a:t>
             </a:r>
             <a:r>
               <a:rPr lang="en-US" dirty="0" err="1" smtClean="0"/>
@@ -12005,19 +12052,7 @@
             </a:r>
             <a:r>
               <a:rPr lang="en-US" dirty="0" smtClean="0"/>
-              <a:t> </a:t>
-            </a:r>
-            <a:r>
-              <a:rPr lang="en-US" dirty="0" err="1" smtClean="0"/>
-              <a:t>wordt</a:t>
-            </a:r>
-            <a:r>
-              <a:rPr lang="en-US" dirty="0" smtClean="0"/>
-              <a:t> </a:t>
-            </a:r>
-            <a:r>
-              <a:rPr lang="en-US" dirty="0" err="1" smtClean="0"/>
-              <a:t>gedrukt</a:t>
+              <a:t> wordt gedrukt</a:t>
             </a:r>
             <a:endParaRPr lang="en-US" dirty="0"/>
           </a:p>
@@ -12298,7 +12333,7 @@
   <a:extraClrSchemeLst/>
   <a:extLst>
     <a:ext uri="{05A4C25C-085E-4340-85A3-A5531E510DB2}">
-      <thm15:themeFamily xmlns="" xmlns:thm15="http://schemas.microsoft.com/office/thememl/2012/main" name="Office Theme" id="{62F939B6-93AF-4DB8-9C6B-D6C7DFDC589F}" vid="{4A3C46E8-61CC-4603-A589-7422A47A8E4A}"/>
+      <thm15:themeFamily xmlns:thm15="http://schemas.microsoft.com/office/thememl/2012/main" xmlns="" name="Office Theme" id="{62F939B6-93AF-4DB8-9C6B-D6C7DFDC589F}" vid="{4A3C46E8-61CC-4603-A589-7422A47A8E4A}"/>
     </a:ext>
   </a:extLst>
 </a:theme>
@@ -12559,7 +12594,7 @@
   <a:extraClrSchemeLst/>
   <a:extLst>
     <a:ext uri="{05A4C25C-085E-4340-85A3-A5531E510DB2}">
-      <thm15:themeFamily xmlns="" xmlns:thm15="http://schemas.microsoft.com/office/thememl/2012/main" name="Office Theme" id="{62F939B6-93AF-4DB8-9C6B-D6C7DFDC589F}" vid="{4A3C46E8-61CC-4603-A589-7422A47A8E4A}"/>
+      <thm15:themeFamily xmlns:thm15="http://schemas.microsoft.com/office/thememl/2012/main" xmlns="" name="Office Theme" id="{62F939B6-93AF-4DB8-9C6B-D6C7DFDC589F}" vid="{4A3C46E8-61CC-4603-A589-7422A47A8E4A}"/>
     </a:ext>
   </a:extLst>
 </a:theme>
@@ -12820,7 +12855,7 @@
   <a:extraClrSchemeLst/>
   <a:extLst>
     <a:ext uri="{05A4C25C-085E-4340-85A3-A5531E510DB2}">
-      <thm15:themeFamily xmlns="" xmlns:thm15="http://schemas.microsoft.com/office/thememl/2012/main" name="Office Theme" id="{62F939B6-93AF-4DB8-9C6B-D6C7DFDC589F}" vid="{4A3C46E8-61CC-4603-A589-7422A47A8E4A}"/>
+      <thm15:themeFamily xmlns:thm15="http://schemas.microsoft.com/office/thememl/2012/main" xmlns="" name="Office Theme" id="{62F939B6-93AF-4DB8-9C6B-D6C7DFDC589F}" vid="{4A3C46E8-61CC-4603-A589-7422A47A8E4A}"/>
     </a:ext>
   </a:extLst>
 </a:theme>
